--- a/presentation/Presentation_Quiz.pptx
+++ b/presentation/Presentation_Quiz.pptx
@@ -11,13 +11,14 @@
     <p:sldId id="259" r:id="rId5"/>
     <p:sldId id="260" r:id="rId6"/>
     <p:sldId id="261" r:id="rId7"/>
-    <p:sldId id="262" r:id="rId8"/>
-    <p:sldId id="263" r:id="rId9"/>
-    <p:sldId id="264" r:id="rId10"/>
-    <p:sldId id="268" r:id="rId11"/>
-    <p:sldId id="265" r:id="rId12"/>
-    <p:sldId id="266" r:id="rId13"/>
-    <p:sldId id="267" r:id="rId14"/>
+    <p:sldId id="269" r:id="rId8"/>
+    <p:sldId id="262" r:id="rId9"/>
+    <p:sldId id="263" r:id="rId10"/>
+    <p:sldId id="264" r:id="rId11"/>
+    <p:sldId id="268" r:id="rId12"/>
+    <p:sldId id="265" r:id="rId13"/>
+    <p:sldId id="266" r:id="rId14"/>
+    <p:sldId id="267" r:id="rId15"/>
   </p:sldIdLst>
   <p:sldSz cx="9144000" cy="6858000" type="screen4x3"/>
   <p:notesSz cx="6858000" cy="9144000"/>
@@ -19647,6 +19648,164 @@
       </p:grpSpPr>
       <p:sp>
         <p:nvSpPr>
+          <p:cNvPr id="2" name="Title 1"/>
+          <p:cNvSpPr>
+            <a:spLocks noGrp="1"/>
+          </p:cNvSpPr>
+          <p:nvPr>
+            <p:ph type="title"/>
+          </p:nvPr>
+        </p:nvSpPr>
+        <p:spPr>
+          <a:xfrm>
+            <a:off x="360758" y="327025"/>
+            <a:ext cx="3993358" cy="1630363"/>
+          </a:xfrm>
+        </p:spPr>
+        <p:txBody>
+          <a:bodyPr anchor="b">
+            <a:normAutofit/>
+          </a:bodyPr>
+          <a:lstStyle/>
+          <a:p>
+            <a:r>
+              <a:rPr lang="fr-FR" sz="3100"/>
+              <a:t>Perspectives et évolutions</a:t>
+            </a:r>
+          </a:p>
+        </p:txBody>
+      </p:sp>
+      <p:pic>
+        <p:nvPicPr>
+          <p:cNvPr id="6" name="Picture 5">
+            <a:extLst>
+              <a:ext uri="{FF2B5EF4-FFF2-40B4-BE49-F238E27FC236}">
+                <a16:creationId xmlns:a16="http://schemas.microsoft.com/office/drawing/2014/main" id="{5472C4F9-2F62-66AC-F4A7-08EB55D22C6B}"/>
+              </a:ext>
+            </a:extLst>
+          </p:cNvPr>
+          <p:cNvPicPr>
+            <a:picLocks noChangeAspect="1"/>
+          </p:cNvPicPr>
+          <p:nvPr/>
+        </p:nvPicPr>
+        <p:blipFill>
+          <a:blip r:embed="rId2"/>
+          <a:srcRect l="26191" r="35503"/>
+          <a:stretch>
+            <a:fillRect/>
+          </a:stretch>
+        </p:blipFill>
+        <p:spPr>
+          <a:xfrm>
+            <a:off x="4474766" y="1"/>
+            <a:ext cx="4669234" cy="6856412"/>
+          </a:xfrm>
+          <a:custGeom>
+            <a:avLst/>
+            <a:gdLst/>
+            <a:ahLst/>
+            <a:cxnLst/>
+            <a:rect l="l" t="t" r="r" b="b"/>
+            <a:pathLst>
+              <a:path w="5620032" h="6856412">
+                <a:moveTo>
+                  <a:pt x="13187" y="0"/>
+                </a:moveTo>
+                <a:lnTo>
+                  <a:pt x="5620032" y="0"/>
+                </a:lnTo>
+                <a:lnTo>
+                  <a:pt x="5620032" y="6856412"/>
+                </a:lnTo>
+                <a:lnTo>
+                  <a:pt x="0" y="6856412"/>
+                </a:lnTo>
+                <a:lnTo>
+                  <a:pt x="64318" y="6298274"/>
+                </a:lnTo>
+                <a:cubicBezTo>
+                  <a:pt x="203221" y="4970220"/>
+                  <a:pt x="240510" y="3632077"/>
+                  <a:pt x="97152" y="2276000"/>
+                </a:cubicBezTo>
+                <a:cubicBezTo>
+                  <a:pt x="35713" y="1694824"/>
+                  <a:pt x="7455" y="1116942"/>
+                  <a:pt x="6154" y="541737"/>
+                </a:cubicBezTo>
+                <a:close/>
+              </a:path>
+            </a:pathLst>
+          </a:custGeom>
+        </p:spPr>
+      </p:pic>
+      <p:graphicFrame>
+        <p:nvGraphicFramePr>
+          <p:cNvPr id="5" name="Content Placeholder 2">
+            <a:extLst>
+              <a:ext uri="{FF2B5EF4-FFF2-40B4-BE49-F238E27FC236}">
+                <a16:creationId xmlns:a16="http://schemas.microsoft.com/office/drawing/2014/main" id="{E105F851-31E9-6F84-D4DE-F8E8ABC4228D}"/>
+              </a:ext>
+            </a:extLst>
+          </p:cNvPr>
+          <p:cNvGraphicFramePr>
+            <a:graphicFrameLocks noGrp="1"/>
+          </p:cNvGraphicFramePr>
+          <p:nvPr>
+            <p:ph idx="1"/>
+            <p:extLst>
+              <p:ext uri="{D42A27DB-BD31-4B8C-83A1-F6EECF244321}">
+                <p14:modId xmlns:p14="http://schemas.microsoft.com/office/powerpoint/2010/main" val="3503396041"/>
+              </p:ext>
+            </p:extLst>
+          </p:nvPr>
+        </p:nvGraphicFramePr>
+        <p:xfrm>
+          <a:off x="360759" y="2286001"/>
+          <a:ext cx="3993357" cy="3919538"/>
+        </p:xfrm>
+        <a:graphic>
+          <a:graphicData uri="http://schemas.openxmlformats.org/drawingml/2006/diagram">
+            <dgm:relIds xmlns:dgm="http://schemas.openxmlformats.org/drawingml/2006/diagram" xmlns:r="http://schemas.openxmlformats.org/officeDocument/2006/relationships" r:dm="rId3" r:lo="rId4" r:qs="rId5" r:cs="rId6"/>
+          </a:graphicData>
+        </a:graphic>
+      </p:graphicFrame>
+    </p:spTree>
+  </p:cSld>
+  <p:clrMapOvr>
+    <a:masterClrMapping/>
+  </p:clrMapOvr>
+</p:sld>
+</file>
+
+<file path=ppt/slides/slide11.xml><?xml version="1.0" encoding="utf-8"?>
+<p:sld xmlns:a="http://schemas.openxmlformats.org/drawingml/2006/main" xmlns:r="http://schemas.openxmlformats.org/officeDocument/2006/relationships" xmlns:p="http://schemas.openxmlformats.org/presentationml/2006/main">
+  <p:cSld>
+    <p:bg>
+      <p:bgPr>
+        <a:solidFill>
+          <a:schemeClr val="bg1"/>
+        </a:solidFill>
+        <a:effectLst/>
+      </p:bgPr>
+    </p:bg>
+    <p:spTree>
+      <p:nvGrpSpPr>
+        <p:cNvPr id="1" name=""/>
+        <p:cNvGrpSpPr/>
+        <p:nvPr/>
+      </p:nvGrpSpPr>
+      <p:grpSpPr>
+        <a:xfrm>
+          <a:off x="0" y="0"/>
+          <a:ext cx="0" cy="0"/>
+          <a:chOff x="0" y="0"/>
+          <a:chExt cx="0" cy="0"/>
+        </a:xfrm>
+      </p:grpSpPr>
+      <p:sp>
+        <p:nvSpPr>
           <p:cNvPr id="10" name="Rectangle 9">
             <a:extLst>
               <a:ext uri="{FF2B5EF4-FFF2-40B4-BE49-F238E27FC236}">
@@ -19846,7 +20005,7 @@
 </p:sld>
 </file>
 
-<file path=ppt/slides/slide11.xml><?xml version="1.0" encoding="utf-8"?>
+<file path=ppt/slides/slide12.xml><?xml version="1.0" encoding="utf-8"?>
 <p:sld xmlns:a="http://schemas.openxmlformats.org/drawingml/2006/main" xmlns:r="http://schemas.openxmlformats.org/officeDocument/2006/relationships" xmlns:p="http://schemas.openxmlformats.org/presentationml/2006/main">
   <p:cSld>
     <p:spTree>
@@ -19919,7 +20078,7 @@
 </p:sld>
 </file>
 
-<file path=ppt/slides/slide12.xml><?xml version="1.0" encoding="utf-8"?>
+<file path=ppt/slides/slide13.xml><?xml version="1.0" encoding="utf-8"?>
 <p:sld xmlns:a="http://schemas.openxmlformats.org/drawingml/2006/main" xmlns:r="http://schemas.openxmlformats.org/officeDocument/2006/relationships" xmlns:p="http://schemas.openxmlformats.org/presentationml/2006/main">
   <p:cSld>
     <p:bg>
@@ -20554,7 +20713,7 @@
 </p:sld>
 </file>
 
-<file path=ppt/slides/slide13.xml><?xml version="1.0" encoding="utf-8"?>
+<file path=ppt/slides/slide14.xml><?xml version="1.0" encoding="utf-8"?>
 <p:sld xmlns:a="http://schemas.openxmlformats.org/drawingml/2006/main" xmlns:r="http://schemas.openxmlformats.org/officeDocument/2006/relationships" xmlns:p="http://schemas.openxmlformats.org/presentationml/2006/main">
   <p:cSld>
     <p:bg>
@@ -21010,14 +21169,14 @@
           </a:bodyPr>
           <a:lstStyle/>
           <a:p>
-            <a:endParaRPr lang="fr-FR" sz="1700"/>
+            <a:endParaRPr lang="fr-FR" sz="1700" dirty="0"/>
           </a:p>
           <a:p>
             <a:pPr>
               <a:defRPr sz="1800"/>
             </a:pPr>
             <a:r>
-              <a:rPr lang="fr-FR" sz="1700"/>
+              <a:rPr lang="fr-FR" sz="2400" dirty="0"/>
               <a:t>Interaction originale sur le web</a:t>
             </a:r>
           </a:p>
@@ -21026,8 +21185,16 @@
               <a:defRPr sz="1800"/>
             </a:pPr>
             <a:r>
-              <a:rPr lang="fr-FR" sz="1700"/>
-              <a:t>Combinaison de React, API externes et périphériques non classiques</a:t>
+              <a:rPr lang="fr-FR" sz="2400" dirty="0"/>
+              <a:t>Combinaison de </a:t>
+            </a:r>
+            <a:r>
+              <a:rPr lang="fr-FR" sz="2400" dirty="0" err="1"/>
+              <a:t>React</a:t>
+            </a:r>
+            <a:r>
+              <a:rPr lang="fr-FR" sz="2400" dirty="0"/>
+              <a:t>, API externes et périphériques non classiques</a:t>
             </a:r>
           </a:p>
           <a:p>
@@ -21035,7 +21202,7 @@
               <a:defRPr sz="1800"/>
             </a:pPr>
             <a:r>
-              <a:rPr lang="fr-FR" sz="1700"/>
+              <a:rPr lang="fr-FR" sz="2400" dirty="0"/>
               <a:t>Application accessible et ludique</a:t>
             </a:r>
           </a:p>
@@ -21044,7 +21211,7 @@
               <a:defRPr sz="1800"/>
             </a:pPr>
             <a:r>
-              <a:rPr lang="fr-FR" sz="1700"/>
+              <a:rPr lang="fr-FR" sz="2400" dirty="0"/>
               <a:t>Adaptée à différents environnements</a:t>
             </a:r>
           </a:p>
@@ -21053,8 +21220,16 @@
               <a:defRPr sz="1800"/>
             </a:pPr>
             <a:r>
-              <a:rPr lang="fr-FR" sz="1700"/>
-              <a:t>Renforcement des compétences React et UX</a:t>
+              <a:rPr lang="fr-FR" sz="2400" dirty="0"/>
+              <a:t>Renforcement des compétences </a:t>
+            </a:r>
+            <a:r>
+              <a:rPr lang="fr-FR" sz="2400" dirty="0" err="1"/>
+              <a:t>React</a:t>
+            </a:r>
+            <a:r>
+              <a:rPr lang="fr-FR" sz="2400" dirty="0"/>
+              <a:t> et UX</a:t>
             </a:r>
           </a:p>
         </p:txBody>
@@ -22366,14 +22541,14 @@
           </a:bodyPr>
           <a:lstStyle/>
           <a:p>
-            <a:endParaRPr lang="fr-FR" sz="1700"/>
+            <a:endParaRPr lang="fr-FR" sz="1700" dirty="0"/>
           </a:p>
           <a:p>
             <a:pPr>
               <a:defRPr sz="1800"/>
             </a:pPr>
             <a:r>
-              <a:rPr lang="fr-FR" sz="1700"/>
+              <a:rPr lang="fr-FR" sz="2400" dirty="0"/>
               <a:t>Navigation fluide entre pages (Accueil, Quiz, Résultats)</a:t>
             </a:r>
           </a:p>
@@ -22382,7 +22557,7 @@
               <a:defRPr sz="1800"/>
             </a:pPr>
             <a:r>
-              <a:rPr lang="fr-FR" sz="1700"/>
+              <a:rPr lang="fr-FR" sz="2400" dirty="0"/>
               <a:t>Architecture claire et modulaire</a:t>
             </a:r>
           </a:p>
@@ -22391,7 +22566,7 @@
               <a:defRPr sz="1800"/>
             </a:pPr>
             <a:r>
-              <a:rPr lang="fr-FR" sz="1700"/>
+              <a:rPr lang="fr-FR" sz="2400" dirty="0"/>
               <a:t>Facilite gestion des routes et futurs accès protégés</a:t>
             </a:r>
           </a:p>
@@ -23038,14 +23213,14 @@
           </a:bodyPr>
           <a:lstStyle/>
           <a:p>
-            <a:endParaRPr lang="fr-FR" sz="1700"/>
+            <a:endParaRPr lang="fr-FR" sz="1700" dirty="0"/>
           </a:p>
           <a:p>
             <a:pPr>
               <a:defRPr sz="1800"/>
             </a:pPr>
             <a:r>
-              <a:rPr lang="fr-FR" sz="1700"/>
+              <a:rPr lang="fr-FR" sz="1800" dirty="0"/>
               <a:t>Source gratuite de questions variées</a:t>
             </a:r>
           </a:p>
@@ -23054,7 +23229,7 @@
               <a:defRPr sz="1800"/>
             </a:pPr>
             <a:r>
-              <a:rPr lang="fr-FR" sz="1700"/>
+              <a:rPr lang="fr-FR" sz="1800" dirty="0"/>
               <a:t>Limitation des requêtes à respecter</a:t>
             </a:r>
           </a:p>
@@ -23063,7 +23238,7 @@
               <a:defRPr sz="1800"/>
             </a:pPr>
             <a:r>
-              <a:rPr lang="fr-FR" sz="1700"/>
+              <a:rPr lang="fr-FR" sz="1800" dirty="0"/>
               <a:t>Questions en anglais, adaptation nécessaire</a:t>
             </a:r>
           </a:p>
@@ -23078,6 +23253,232 @@
 </file>
 
 <file path=ppt/slides/slide7.xml><?xml version="1.0" encoding="utf-8"?>
+<p:sld xmlns:a="http://schemas.openxmlformats.org/drawingml/2006/main" xmlns:r="http://schemas.openxmlformats.org/officeDocument/2006/relationships" xmlns:p="http://schemas.openxmlformats.org/presentationml/2006/main">
+  <p:cSld>
+    <p:bg>
+      <p:bgPr>
+        <a:solidFill>
+          <a:schemeClr val="bg1"/>
+        </a:solidFill>
+        <a:effectLst/>
+      </p:bgPr>
+    </p:bg>
+    <p:spTree>
+      <p:nvGrpSpPr>
+        <p:cNvPr id="1" name=""/>
+        <p:cNvGrpSpPr/>
+        <p:nvPr/>
+      </p:nvGrpSpPr>
+      <p:grpSpPr>
+        <a:xfrm>
+          <a:off x="0" y="0"/>
+          <a:ext cx="0" cy="0"/>
+          <a:chOff x="0" y="0"/>
+          <a:chExt cx="0" cy="0"/>
+        </a:xfrm>
+      </p:grpSpPr>
+      <p:sp>
+        <p:nvSpPr>
+          <p:cNvPr id="10" name="Rectangle 9">
+            <a:extLst>
+              <a:ext uri="{FF2B5EF4-FFF2-40B4-BE49-F238E27FC236}">
+                <a16:creationId xmlns:a16="http://schemas.microsoft.com/office/drawing/2014/main" id="{42A4FC2C-047E-45A5-965D-8E1E3BF09BC6}"/>
+              </a:ext>
+              <a:ext uri="{C183D7F6-B498-43B3-948B-1728B52AA6E4}">
+                <adec:decorative xmlns:adec="http://schemas.microsoft.com/office/drawing/2017/decorative" val="1"/>
+              </a:ext>
+            </a:extLst>
+          </p:cNvPr>
+          <p:cNvSpPr>
+            <a:spLocks noGrp="1" noRot="1" noChangeAspect="1" noMove="1" noResize="1" noEditPoints="1" noAdjustHandles="1" noChangeArrowheads="1" noChangeShapeType="1" noTextEdit="1"/>
+          </p:cNvSpPr>
+          <p:nvPr>
+            <p:extLst>
+              <p:ext uri="{386F3935-93C4-4BCD-93E2-E3B085C9AB24}">
+                <p16:designElem xmlns:p16="http://schemas.microsoft.com/office/powerpoint/2015/main" val="1"/>
+              </p:ext>
+            </p:extLst>
+          </p:nvPr>
+        </p:nvSpPr>
+        <p:spPr bwMode="white">
+          <a:xfrm>
+            <a:off x="1143" y="0"/>
+            <a:ext cx="9141714" cy="6858000"/>
+          </a:xfrm>
+          <a:prstGeom prst="rect">
+            <a:avLst/>
+          </a:prstGeom>
+          <a:noFill/>
+          <a:ln>
+            <a:noFill/>
+          </a:ln>
+        </p:spPr>
+        <p:style>
+          <a:lnRef idx="2">
+            <a:schemeClr val="accent1">
+              <a:shade val="50000"/>
+            </a:schemeClr>
+          </a:lnRef>
+          <a:fillRef idx="1">
+            <a:schemeClr val="accent1"/>
+          </a:fillRef>
+          <a:effectRef idx="0">
+            <a:schemeClr val="accent1"/>
+          </a:effectRef>
+          <a:fontRef idx="minor">
+            <a:schemeClr val="lt1"/>
+          </a:fontRef>
+        </p:style>
+        <p:txBody>
+          <a:bodyPr rtlCol="0" anchor="ctr"/>
+          <a:lstStyle>
+            <a:defPPr>
+              <a:defRPr lang="en-US"/>
+            </a:defPPr>
+            <a:lvl1pPr marL="0" algn="l" defTabSz="914400" rtl="0" eaLnBrk="1" latinLnBrk="0" hangingPunct="1">
+              <a:defRPr sz="1800" kern="1200">
+                <a:solidFill>
+                  <a:schemeClr val="lt1"/>
+                </a:solidFill>
+                <a:latin typeface="+mn-lt"/>
+                <a:ea typeface="+mn-ea"/>
+                <a:cs typeface="+mn-cs"/>
+              </a:defRPr>
+            </a:lvl1pPr>
+            <a:lvl2pPr marL="457200" algn="l" defTabSz="914400" rtl="0" eaLnBrk="1" latinLnBrk="0" hangingPunct="1">
+              <a:defRPr sz="1800" kern="1200">
+                <a:solidFill>
+                  <a:schemeClr val="lt1"/>
+                </a:solidFill>
+                <a:latin typeface="+mn-lt"/>
+                <a:ea typeface="+mn-ea"/>
+                <a:cs typeface="+mn-cs"/>
+              </a:defRPr>
+            </a:lvl2pPr>
+            <a:lvl3pPr marL="914400" algn="l" defTabSz="914400" rtl="0" eaLnBrk="1" latinLnBrk="0" hangingPunct="1">
+              <a:defRPr sz="1800" kern="1200">
+                <a:solidFill>
+                  <a:schemeClr val="lt1"/>
+                </a:solidFill>
+                <a:latin typeface="+mn-lt"/>
+                <a:ea typeface="+mn-ea"/>
+                <a:cs typeface="+mn-cs"/>
+              </a:defRPr>
+            </a:lvl3pPr>
+            <a:lvl4pPr marL="1371600" algn="l" defTabSz="914400" rtl="0" eaLnBrk="1" latinLnBrk="0" hangingPunct="1">
+              <a:defRPr sz="1800" kern="1200">
+                <a:solidFill>
+                  <a:schemeClr val="lt1"/>
+                </a:solidFill>
+                <a:latin typeface="+mn-lt"/>
+                <a:ea typeface="+mn-ea"/>
+                <a:cs typeface="+mn-cs"/>
+              </a:defRPr>
+            </a:lvl4pPr>
+            <a:lvl5pPr marL="1828800" algn="l" defTabSz="914400" rtl="0" eaLnBrk="1" latinLnBrk="0" hangingPunct="1">
+              <a:defRPr sz="1800" kern="1200">
+                <a:solidFill>
+                  <a:schemeClr val="lt1"/>
+                </a:solidFill>
+                <a:latin typeface="+mn-lt"/>
+                <a:ea typeface="+mn-ea"/>
+                <a:cs typeface="+mn-cs"/>
+              </a:defRPr>
+            </a:lvl5pPr>
+            <a:lvl6pPr marL="2286000" algn="l" defTabSz="914400" rtl="0" eaLnBrk="1" latinLnBrk="0" hangingPunct="1">
+              <a:defRPr sz="1800" kern="1200">
+                <a:solidFill>
+                  <a:schemeClr val="lt1"/>
+                </a:solidFill>
+                <a:latin typeface="+mn-lt"/>
+                <a:ea typeface="+mn-ea"/>
+                <a:cs typeface="+mn-cs"/>
+              </a:defRPr>
+            </a:lvl6pPr>
+            <a:lvl7pPr marL="2743200" algn="l" defTabSz="914400" rtl="0" eaLnBrk="1" latinLnBrk="0" hangingPunct="1">
+              <a:defRPr sz="1800" kern="1200">
+                <a:solidFill>
+                  <a:schemeClr val="lt1"/>
+                </a:solidFill>
+                <a:latin typeface="+mn-lt"/>
+                <a:ea typeface="+mn-ea"/>
+                <a:cs typeface="+mn-cs"/>
+              </a:defRPr>
+            </a:lvl7pPr>
+            <a:lvl8pPr marL="3200400" algn="l" defTabSz="914400" rtl="0" eaLnBrk="1" latinLnBrk="0" hangingPunct="1">
+              <a:defRPr sz="1800" kern="1200">
+                <a:solidFill>
+                  <a:schemeClr val="lt1"/>
+                </a:solidFill>
+                <a:latin typeface="+mn-lt"/>
+                <a:ea typeface="+mn-ea"/>
+                <a:cs typeface="+mn-cs"/>
+              </a:defRPr>
+            </a:lvl8pPr>
+            <a:lvl9pPr marL="3657600" algn="l" defTabSz="914400" rtl="0" eaLnBrk="1" latinLnBrk="0" hangingPunct="1">
+              <a:defRPr sz="1800" kern="1200">
+                <a:solidFill>
+                  <a:schemeClr val="lt1"/>
+                </a:solidFill>
+                <a:latin typeface="+mn-lt"/>
+                <a:ea typeface="+mn-ea"/>
+                <a:cs typeface="+mn-cs"/>
+              </a:defRPr>
+            </a:lvl9pPr>
+          </a:lstStyle>
+          <a:p>
+            <a:pPr algn="ctr"/>
+            <a:endParaRPr lang="en-US"/>
+          </a:p>
+        </p:txBody>
+      </p:sp>
+      <p:pic>
+        <p:nvPicPr>
+          <p:cNvPr id="5" name="Espace réservé du contenu 4">
+            <a:extLst>
+              <a:ext uri="{FF2B5EF4-FFF2-40B4-BE49-F238E27FC236}">
+                <a16:creationId xmlns:a16="http://schemas.microsoft.com/office/drawing/2014/main" id="{6F52A8E2-D880-B202-7BE4-869282D5DABE}"/>
+              </a:ext>
+            </a:extLst>
+          </p:cNvPr>
+          <p:cNvPicPr>
+            <a:picLocks noGrp="1" noChangeAspect="1"/>
+          </p:cNvPicPr>
+          <p:nvPr>
+            <p:ph idx="1"/>
+          </p:nvPr>
+        </p:nvPicPr>
+        <p:blipFill>
+          <a:blip r:embed="rId2"/>
+          <a:srcRect r="4651" b="2"/>
+          <a:stretch>
+            <a:fillRect/>
+          </a:stretch>
+        </p:blipFill>
+        <p:spPr>
+          <a:xfrm>
+            <a:off x="20" y="1282"/>
+            <a:ext cx="9143980" cy="6856718"/>
+          </a:xfrm>
+          <a:prstGeom prst="rect">
+            <a:avLst/>
+          </a:prstGeom>
+        </p:spPr>
+      </p:pic>
+    </p:spTree>
+    <p:extLst>
+      <p:ext uri="{BB962C8B-B14F-4D97-AF65-F5344CB8AC3E}">
+        <p14:creationId xmlns:p14="http://schemas.microsoft.com/office/powerpoint/2010/main" val="3278950146"/>
+      </p:ext>
+    </p:extLst>
+  </p:cSld>
+  <p:clrMapOvr>
+    <a:masterClrMapping/>
+  </p:clrMapOvr>
+</p:sld>
+</file>
+
+<file path=ppt/slides/slide8.xml><?xml version="1.0" encoding="utf-8"?>
 <p:sld xmlns:a="http://schemas.openxmlformats.org/drawingml/2006/main" xmlns:r="http://schemas.openxmlformats.org/officeDocument/2006/relationships" xmlns:p="http://schemas.openxmlformats.org/presentationml/2006/main">
   <p:cSld>
     <p:bg>
@@ -23311,15 +23712,23 @@
           </a:bodyPr>
           <a:lstStyle/>
           <a:p>
-            <a:endParaRPr lang="fr-FR" sz="1700"/>
+            <a:endParaRPr lang="fr-FR" sz="1700" dirty="0"/>
           </a:p>
           <a:p>
             <a:pPr>
               <a:defRPr sz="1800"/>
             </a:pPr>
             <a:r>
-              <a:rPr lang="fr-FR" sz="1700"/>
-              <a:t>Utilisation native de la Gamepad API</a:t>
+              <a:rPr lang="fr-FR" sz="1800" dirty="0"/>
+              <a:t>Utilisation native de la </a:t>
+            </a:r>
+            <a:r>
+              <a:rPr lang="fr-FR" sz="1800" dirty="0" err="1"/>
+              <a:t>Gamepad</a:t>
+            </a:r>
+            <a:r>
+              <a:rPr lang="fr-FR" sz="1800" dirty="0"/>
+              <a:t> API</a:t>
             </a:r>
           </a:p>
           <a:p>
@@ -23327,7 +23736,7 @@
               <a:defRPr sz="1800"/>
             </a:pPr>
             <a:r>
-              <a:rPr lang="fr-FR" sz="1700"/>
+              <a:rPr lang="fr-FR" sz="1800" dirty="0"/>
               <a:t>Navigation via croix directionnelle (D-pad)</a:t>
             </a:r>
           </a:p>
@@ -23336,7 +23745,7 @@
               <a:defRPr sz="1800"/>
             </a:pPr>
             <a:r>
-              <a:rPr lang="fr-FR" sz="1700"/>
+              <a:rPr lang="fr-FR" sz="1800" dirty="0"/>
               <a:t>Temporisation pour éviter déclenchements multiples</a:t>
             </a:r>
           </a:p>
@@ -23345,7 +23754,7 @@
               <a:defRPr sz="1800"/>
             </a:pPr>
             <a:r>
-              <a:rPr lang="fr-FR" sz="1700"/>
+              <a:rPr lang="fr-FR" sz="1800" dirty="0"/>
               <a:t>Sélection et validation des réponses par bouton A</a:t>
             </a:r>
           </a:p>
@@ -23359,7 +23768,7 @@
 </p:sld>
 </file>
 
-<file path=ppt/slides/slide8.xml><?xml version="1.0" encoding="utf-8"?>
+<file path=ppt/slides/slide9.xml><?xml version="1.0" encoding="utf-8"?>
 <p:sld xmlns:a="http://schemas.openxmlformats.org/drawingml/2006/main" xmlns:r="http://schemas.openxmlformats.org/officeDocument/2006/relationships" xmlns:p="http://schemas.openxmlformats.org/presentationml/2006/main">
   <p:cSld>
     <p:bg>
@@ -23758,164 +24167,6 @@
 </p:sld>
 </file>
 
-<file path=ppt/slides/slide9.xml><?xml version="1.0" encoding="utf-8"?>
-<p:sld xmlns:a="http://schemas.openxmlformats.org/drawingml/2006/main" xmlns:r="http://schemas.openxmlformats.org/officeDocument/2006/relationships" xmlns:p="http://schemas.openxmlformats.org/presentationml/2006/main">
-  <p:cSld>
-    <p:bg>
-      <p:bgPr>
-        <a:solidFill>
-          <a:schemeClr val="bg1"/>
-        </a:solidFill>
-        <a:effectLst/>
-      </p:bgPr>
-    </p:bg>
-    <p:spTree>
-      <p:nvGrpSpPr>
-        <p:cNvPr id="1" name=""/>
-        <p:cNvGrpSpPr/>
-        <p:nvPr/>
-      </p:nvGrpSpPr>
-      <p:grpSpPr>
-        <a:xfrm>
-          <a:off x="0" y="0"/>
-          <a:ext cx="0" cy="0"/>
-          <a:chOff x="0" y="0"/>
-          <a:chExt cx="0" cy="0"/>
-        </a:xfrm>
-      </p:grpSpPr>
-      <p:sp>
-        <p:nvSpPr>
-          <p:cNvPr id="2" name="Title 1"/>
-          <p:cNvSpPr>
-            <a:spLocks noGrp="1"/>
-          </p:cNvSpPr>
-          <p:nvPr>
-            <p:ph type="title"/>
-          </p:nvPr>
-        </p:nvSpPr>
-        <p:spPr>
-          <a:xfrm>
-            <a:off x="360758" y="327025"/>
-            <a:ext cx="3993358" cy="1630363"/>
-          </a:xfrm>
-        </p:spPr>
-        <p:txBody>
-          <a:bodyPr anchor="b">
-            <a:normAutofit/>
-          </a:bodyPr>
-          <a:lstStyle/>
-          <a:p>
-            <a:r>
-              <a:rPr lang="fr-FR" sz="3100"/>
-              <a:t>Perspectives et évolutions</a:t>
-            </a:r>
-          </a:p>
-        </p:txBody>
-      </p:sp>
-      <p:pic>
-        <p:nvPicPr>
-          <p:cNvPr id="6" name="Picture 5">
-            <a:extLst>
-              <a:ext uri="{FF2B5EF4-FFF2-40B4-BE49-F238E27FC236}">
-                <a16:creationId xmlns:a16="http://schemas.microsoft.com/office/drawing/2014/main" id="{5472C4F9-2F62-66AC-F4A7-08EB55D22C6B}"/>
-              </a:ext>
-            </a:extLst>
-          </p:cNvPr>
-          <p:cNvPicPr>
-            <a:picLocks noChangeAspect="1"/>
-          </p:cNvPicPr>
-          <p:nvPr/>
-        </p:nvPicPr>
-        <p:blipFill>
-          <a:blip r:embed="rId2"/>
-          <a:srcRect l="26191" r="35503"/>
-          <a:stretch>
-            <a:fillRect/>
-          </a:stretch>
-        </p:blipFill>
-        <p:spPr>
-          <a:xfrm>
-            <a:off x="4474766" y="1"/>
-            <a:ext cx="4669234" cy="6856412"/>
-          </a:xfrm>
-          <a:custGeom>
-            <a:avLst/>
-            <a:gdLst/>
-            <a:ahLst/>
-            <a:cxnLst/>
-            <a:rect l="l" t="t" r="r" b="b"/>
-            <a:pathLst>
-              <a:path w="5620032" h="6856412">
-                <a:moveTo>
-                  <a:pt x="13187" y="0"/>
-                </a:moveTo>
-                <a:lnTo>
-                  <a:pt x="5620032" y="0"/>
-                </a:lnTo>
-                <a:lnTo>
-                  <a:pt x="5620032" y="6856412"/>
-                </a:lnTo>
-                <a:lnTo>
-                  <a:pt x="0" y="6856412"/>
-                </a:lnTo>
-                <a:lnTo>
-                  <a:pt x="64318" y="6298274"/>
-                </a:lnTo>
-                <a:cubicBezTo>
-                  <a:pt x="203221" y="4970220"/>
-                  <a:pt x="240510" y="3632077"/>
-                  <a:pt x="97152" y="2276000"/>
-                </a:cubicBezTo>
-                <a:cubicBezTo>
-                  <a:pt x="35713" y="1694824"/>
-                  <a:pt x="7455" y="1116942"/>
-                  <a:pt x="6154" y="541737"/>
-                </a:cubicBezTo>
-                <a:close/>
-              </a:path>
-            </a:pathLst>
-          </a:custGeom>
-        </p:spPr>
-      </p:pic>
-      <p:graphicFrame>
-        <p:nvGraphicFramePr>
-          <p:cNvPr id="5" name="Content Placeholder 2">
-            <a:extLst>
-              <a:ext uri="{FF2B5EF4-FFF2-40B4-BE49-F238E27FC236}">
-                <a16:creationId xmlns:a16="http://schemas.microsoft.com/office/drawing/2014/main" id="{E105F851-31E9-6F84-D4DE-F8E8ABC4228D}"/>
-              </a:ext>
-            </a:extLst>
-          </p:cNvPr>
-          <p:cNvGraphicFramePr>
-            <a:graphicFrameLocks noGrp="1"/>
-          </p:cNvGraphicFramePr>
-          <p:nvPr>
-            <p:ph idx="1"/>
-            <p:extLst>
-              <p:ext uri="{D42A27DB-BD31-4B8C-83A1-F6EECF244321}">
-                <p14:modId xmlns:p14="http://schemas.microsoft.com/office/powerpoint/2010/main" val="3503396041"/>
-              </p:ext>
-            </p:extLst>
-          </p:nvPr>
-        </p:nvGraphicFramePr>
-        <p:xfrm>
-          <a:off x="360759" y="2286001"/>
-          <a:ext cx="3993357" cy="3919538"/>
-        </p:xfrm>
-        <a:graphic>
-          <a:graphicData uri="http://schemas.openxmlformats.org/drawingml/2006/diagram">
-            <dgm:relIds xmlns:dgm="http://schemas.openxmlformats.org/drawingml/2006/diagram" xmlns:r="http://schemas.openxmlformats.org/officeDocument/2006/relationships" r:dm="rId3" r:lo="rId4" r:qs="rId5" r:cs="rId6"/>
-          </a:graphicData>
-        </a:graphic>
-      </p:graphicFrame>
-    </p:spTree>
-  </p:cSld>
-  <p:clrMapOvr>
-    <a:masterClrMapping/>
-  </p:clrMapOvr>
-</p:sld>
-</file>
-
 <file path=ppt/theme/theme1.xml><?xml version="1.0" encoding="utf-8"?>
 <a:theme xmlns:a="http://schemas.openxmlformats.org/drawingml/2006/main" name="Office Theme">
   <a:themeElements>

--- a/presentation/Presentation_Quiz.pptx
+++ b/presentation/Presentation_Quiz.pptx
@@ -4,6 +4,9 @@
   <p:sldMasterIdLst>
     <p:sldMasterId id="2147483648" r:id="rId1"/>
   </p:sldMasterIdLst>
+  <p:notesMasterIdLst>
+    <p:notesMasterId r:id="rId17"/>
+  </p:notesMasterIdLst>
   <p:sldIdLst>
     <p:sldId id="256" r:id="rId2"/>
     <p:sldId id="257" r:id="rId3"/>
@@ -16,9 +19,10 @@
     <p:sldId id="263" r:id="rId10"/>
     <p:sldId id="264" r:id="rId11"/>
     <p:sldId id="268" r:id="rId12"/>
-    <p:sldId id="265" r:id="rId13"/>
-    <p:sldId id="266" r:id="rId14"/>
-    <p:sldId id="267" r:id="rId15"/>
+    <p:sldId id="270" r:id="rId13"/>
+    <p:sldId id="265" r:id="rId14"/>
+    <p:sldId id="266" r:id="rId15"/>
+    <p:sldId id="267" r:id="rId16"/>
   </p:sldIdLst>
   <p:sldSz cx="9144000" cy="6858000" type="screen4x3"/>
   <p:notesSz cx="6858000" cy="9144000"/>
@@ -4663,7 +4667,7 @@
   <dgm:whole/>
   <dgm:extLst>
     <a:ext uri="http://schemas.microsoft.com/office/drawing/2008/diagram">
-      <dsp:dataModelExt xmlns:dsp="http://schemas.microsoft.com/office/drawing/2008/diagram" relId="rId6" minVer="http://schemas.openxmlformats.org/drawingml/2006/diagram"/>
+      <dsp:dataModelExt xmlns:dsp="http://schemas.microsoft.com/office/drawing/2008/diagram" relId="rId7" minVer="http://schemas.openxmlformats.org/drawingml/2006/diagram"/>
     </a:ext>
   </dgm:extLst>
 </dgm:dataModel>
@@ -4995,7 +4999,7 @@
   <dgm:whole/>
   <dgm:extLst>
     <a:ext uri="http://schemas.microsoft.com/office/drawing/2008/diagram">
-      <dsp:dataModelExt xmlns:dsp="http://schemas.microsoft.com/office/drawing/2008/diagram" relId="rId6" minVer="http://schemas.openxmlformats.org/drawingml/2006/diagram"/>
+      <dsp:dataModelExt xmlns:dsp="http://schemas.microsoft.com/office/drawing/2008/diagram" relId="rId7" minVer="http://schemas.openxmlformats.org/drawingml/2006/diagram"/>
     </a:ext>
   </dgm:extLst>
 </dgm:dataModel>
@@ -5427,7 +5431,7 @@
   <dgm:whole/>
   <dgm:extLst>
     <a:ext uri="http://schemas.microsoft.com/office/drawing/2008/diagram">
-      <dsp:dataModelExt xmlns:dsp="http://schemas.microsoft.com/office/drawing/2008/diagram" relId="rId6" minVer="http://schemas.openxmlformats.org/drawingml/2006/diagram"/>
+      <dsp:dataModelExt xmlns:dsp="http://schemas.microsoft.com/office/drawing/2008/diagram" relId="rId7" minVer="http://schemas.openxmlformats.org/drawingml/2006/diagram"/>
     </a:ext>
   </dgm:extLst>
 </dgm:dataModel>
@@ -15401,6 +15405,1494 @@
 </dgm:styleDef>
 </file>
 
+<file path=ppt/notesMasters/notesMaster1.xml><?xml version="1.0" encoding="utf-8"?>
+<p:notesMaster xmlns:a="http://schemas.openxmlformats.org/drawingml/2006/main" xmlns:r="http://schemas.openxmlformats.org/officeDocument/2006/relationships" xmlns:p="http://schemas.openxmlformats.org/presentationml/2006/main">
+  <p:cSld>
+    <p:bg>
+      <p:bgRef idx="1001">
+        <a:schemeClr val="bg1"/>
+      </p:bgRef>
+    </p:bg>
+    <p:spTree>
+      <p:nvGrpSpPr>
+        <p:cNvPr id="1" name=""/>
+        <p:cNvGrpSpPr/>
+        <p:nvPr/>
+      </p:nvGrpSpPr>
+      <p:grpSpPr>
+        <a:xfrm>
+          <a:off x="0" y="0"/>
+          <a:ext cx="0" cy="0"/>
+          <a:chOff x="0" y="0"/>
+          <a:chExt cx="0" cy="0"/>
+        </a:xfrm>
+      </p:grpSpPr>
+      <p:sp>
+        <p:nvSpPr>
+          <p:cNvPr id="2" name="Espace réservé de l'en-tête 1"/>
+          <p:cNvSpPr>
+            <a:spLocks noGrp="1"/>
+          </p:cNvSpPr>
+          <p:nvPr>
+            <p:ph type="hdr" sz="quarter"/>
+          </p:nvPr>
+        </p:nvSpPr>
+        <p:spPr>
+          <a:xfrm>
+            <a:off x="0" y="0"/>
+            <a:ext cx="2971800" cy="458788"/>
+          </a:xfrm>
+          <a:prstGeom prst="rect">
+            <a:avLst/>
+          </a:prstGeom>
+        </p:spPr>
+        <p:txBody>
+          <a:bodyPr vert="horz" lIns="91440" tIns="45720" rIns="91440" bIns="45720" rtlCol="0"/>
+          <a:lstStyle>
+            <a:lvl1pPr algn="l">
+              <a:defRPr sz="1200"/>
+            </a:lvl1pPr>
+          </a:lstStyle>
+          <a:p>
+            <a:endParaRPr lang="fr-FR"/>
+          </a:p>
+        </p:txBody>
+      </p:sp>
+      <p:sp>
+        <p:nvSpPr>
+          <p:cNvPr id="3" name="Espace réservé de la date 2"/>
+          <p:cNvSpPr>
+            <a:spLocks noGrp="1"/>
+          </p:cNvSpPr>
+          <p:nvPr>
+            <p:ph type="dt" idx="1"/>
+          </p:nvPr>
+        </p:nvSpPr>
+        <p:spPr>
+          <a:xfrm>
+            <a:off x="3884613" y="0"/>
+            <a:ext cx="2971800" cy="458788"/>
+          </a:xfrm>
+          <a:prstGeom prst="rect">
+            <a:avLst/>
+          </a:prstGeom>
+        </p:spPr>
+        <p:txBody>
+          <a:bodyPr vert="horz" lIns="91440" tIns="45720" rIns="91440" bIns="45720" rtlCol="0"/>
+          <a:lstStyle>
+            <a:lvl1pPr algn="r">
+              <a:defRPr sz="1200"/>
+            </a:lvl1pPr>
+          </a:lstStyle>
+          <a:p>
+            <a:fld id="{4149C201-324D-49EF-882F-781A6105B05E}" type="datetimeFigureOut">
+              <a:rPr lang="fr-FR" smtClean="0"/>
+              <a:t>11/06/2025</a:t>
+            </a:fld>
+            <a:endParaRPr lang="fr-FR"/>
+          </a:p>
+        </p:txBody>
+      </p:sp>
+      <p:sp>
+        <p:nvSpPr>
+          <p:cNvPr id="4" name="Espace réservé de l'image des diapositives 3"/>
+          <p:cNvSpPr>
+            <a:spLocks noGrp="1" noRot="1" noChangeAspect="1"/>
+          </p:cNvSpPr>
+          <p:nvPr>
+            <p:ph type="sldImg" idx="2"/>
+          </p:nvPr>
+        </p:nvSpPr>
+        <p:spPr>
+          <a:xfrm>
+            <a:off x="1371600" y="1143000"/>
+            <a:ext cx="4114800" cy="3086100"/>
+          </a:xfrm>
+          <a:prstGeom prst="rect">
+            <a:avLst/>
+          </a:prstGeom>
+          <a:noFill/>
+          <a:ln w="12700">
+            <a:solidFill>
+              <a:prstClr val="black"/>
+            </a:solidFill>
+          </a:ln>
+        </p:spPr>
+        <p:txBody>
+          <a:bodyPr vert="horz" lIns="91440" tIns="45720" rIns="91440" bIns="45720" rtlCol="0" anchor="ctr"/>
+          <a:lstStyle/>
+          <a:p>
+            <a:endParaRPr lang="fr-FR"/>
+          </a:p>
+        </p:txBody>
+      </p:sp>
+      <p:sp>
+        <p:nvSpPr>
+          <p:cNvPr id="5" name="Espace réservé des notes 4"/>
+          <p:cNvSpPr>
+            <a:spLocks noGrp="1"/>
+          </p:cNvSpPr>
+          <p:nvPr>
+            <p:ph type="body" sz="quarter" idx="3"/>
+          </p:nvPr>
+        </p:nvSpPr>
+        <p:spPr>
+          <a:xfrm>
+            <a:off x="685800" y="4400550"/>
+            <a:ext cx="5486400" cy="3600450"/>
+          </a:xfrm>
+          <a:prstGeom prst="rect">
+            <a:avLst/>
+          </a:prstGeom>
+        </p:spPr>
+        <p:txBody>
+          <a:bodyPr vert="horz" lIns="91440" tIns="45720" rIns="91440" bIns="45720" rtlCol="0"/>
+          <a:lstStyle/>
+          <a:p>
+            <a:pPr lvl="0"/>
+            <a:r>
+              <a:rPr lang="fr-FR"/>
+              <a:t>Cliquez pour modifier les styles du texte du masque</a:t>
+            </a:r>
+          </a:p>
+          <a:p>
+            <a:pPr lvl="1"/>
+            <a:r>
+              <a:rPr lang="fr-FR"/>
+              <a:t>Deuxième niveau</a:t>
+            </a:r>
+          </a:p>
+          <a:p>
+            <a:pPr lvl="2"/>
+            <a:r>
+              <a:rPr lang="fr-FR"/>
+              <a:t>Troisième niveau</a:t>
+            </a:r>
+          </a:p>
+          <a:p>
+            <a:pPr lvl="3"/>
+            <a:r>
+              <a:rPr lang="fr-FR"/>
+              <a:t>Quatrième niveau</a:t>
+            </a:r>
+          </a:p>
+          <a:p>
+            <a:pPr lvl="4"/>
+            <a:r>
+              <a:rPr lang="fr-FR"/>
+              <a:t>Cinquième niveau</a:t>
+            </a:r>
+          </a:p>
+        </p:txBody>
+      </p:sp>
+      <p:sp>
+        <p:nvSpPr>
+          <p:cNvPr id="6" name="Espace réservé du pied de page 5"/>
+          <p:cNvSpPr>
+            <a:spLocks noGrp="1"/>
+          </p:cNvSpPr>
+          <p:nvPr>
+            <p:ph type="ftr" sz="quarter" idx="4"/>
+          </p:nvPr>
+        </p:nvSpPr>
+        <p:spPr>
+          <a:xfrm>
+            <a:off x="0" y="8685213"/>
+            <a:ext cx="2971800" cy="458787"/>
+          </a:xfrm>
+          <a:prstGeom prst="rect">
+            <a:avLst/>
+          </a:prstGeom>
+        </p:spPr>
+        <p:txBody>
+          <a:bodyPr vert="horz" lIns="91440" tIns="45720" rIns="91440" bIns="45720" rtlCol="0" anchor="b"/>
+          <a:lstStyle>
+            <a:lvl1pPr algn="l">
+              <a:defRPr sz="1200"/>
+            </a:lvl1pPr>
+          </a:lstStyle>
+          <a:p>
+            <a:endParaRPr lang="fr-FR"/>
+          </a:p>
+        </p:txBody>
+      </p:sp>
+      <p:sp>
+        <p:nvSpPr>
+          <p:cNvPr id="7" name="Espace réservé du numéro de diapositive 6"/>
+          <p:cNvSpPr>
+            <a:spLocks noGrp="1"/>
+          </p:cNvSpPr>
+          <p:nvPr>
+            <p:ph type="sldNum" sz="quarter" idx="5"/>
+          </p:nvPr>
+        </p:nvSpPr>
+        <p:spPr>
+          <a:xfrm>
+            <a:off x="3884613" y="8685213"/>
+            <a:ext cx="2971800" cy="458787"/>
+          </a:xfrm>
+          <a:prstGeom prst="rect">
+            <a:avLst/>
+          </a:prstGeom>
+        </p:spPr>
+        <p:txBody>
+          <a:bodyPr vert="horz" lIns="91440" tIns="45720" rIns="91440" bIns="45720" rtlCol="0" anchor="b"/>
+          <a:lstStyle>
+            <a:lvl1pPr algn="r">
+              <a:defRPr sz="1200"/>
+            </a:lvl1pPr>
+          </a:lstStyle>
+          <a:p>
+            <a:fld id="{811CB2F6-EDFF-465E-98B2-99802F23E8BA}" type="slidenum">
+              <a:rPr lang="fr-FR" smtClean="0"/>
+              <a:t>‹N°›</a:t>
+            </a:fld>
+            <a:endParaRPr lang="fr-FR"/>
+          </a:p>
+        </p:txBody>
+      </p:sp>
+    </p:spTree>
+    <p:extLst>
+      <p:ext uri="{BB962C8B-B14F-4D97-AF65-F5344CB8AC3E}">
+        <p14:creationId xmlns:p14="http://schemas.microsoft.com/office/powerpoint/2010/main" val="1298280666"/>
+      </p:ext>
+    </p:extLst>
+  </p:cSld>
+  <p:clrMap bg1="lt1" tx1="dk1" bg2="lt2" tx2="dk2" accent1="accent1" accent2="accent2" accent3="accent3" accent4="accent4" accent5="accent5" accent6="accent6" hlink="hlink" folHlink="folHlink"/>
+  <p:notesStyle>
+    <a:lvl1pPr marL="0" algn="l" defTabSz="914400" rtl="0" eaLnBrk="1" latinLnBrk="0" hangingPunct="1">
+      <a:defRPr sz="1200" kern="1200">
+        <a:solidFill>
+          <a:schemeClr val="tx1"/>
+        </a:solidFill>
+        <a:latin typeface="+mn-lt"/>
+        <a:ea typeface="+mn-ea"/>
+        <a:cs typeface="+mn-cs"/>
+      </a:defRPr>
+    </a:lvl1pPr>
+    <a:lvl2pPr marL="457200" algn="l" defTabSz="914400" rtl="0" eaLnBrk="1" latinLnBrk="0" hangingPunct="1">
+      <a:defRPr sz="1200" kern="1200">
+        <a:solidFill>
+          <a:schemeClr val="tx1"/>
+        </a:solidFill>
+        <a:latin typeface="+mn-lt"/>
+        <a:ea typeface="+mn-ea"/>
+        <a:cs typeface="+mn-cs"/>
+      </a:defRPr>
+    </a:lvl2pPr>
+    <a:lvl3pPr marL="914400" algn="l" defTabSz="914400" rtl="0" eaLnBrk="1" latinLnBrk="0" hangingPunct="1">
+      <a:defRPr sz="1200" kern="1200">
+        <a:solidFill>
+          <a:schemeClr val="tx1"/>
+        </a:solidFill>
+        <a:latin typeface="+mn-lt"/>
+        <a:ea typeface="+mn-ea"/>
+        <a:cs typeface="+mn-cs"/>
+      </a:defRPr>
+    </a:lvl3pPr>
+    <a:lvl4pPr marL="1371600" algn="l" defTabSz="914400" rtl="0" eaLnBrk="1" latinLnBrk="0" hangingPunct="1">
+      <a:defRPr sz="1200" kern="1200">
+        <a:solidFill>
+          <a:schemeClr val="tx1"/>
+        </a:solidFill>
+        <a:latin typeface="+mn-lt"/>
+        <a:ea typeface="+mn-ea"/>
+        <a:cs typeface="+mn-cs"/>
+      </a:defRPr>
+    </a:lvl4pPr>
+    <a:lvl5pPr marL="1828800" algn="l" defTabSz="914400" rtl="0" eaLnBrk="1" latinLnBrk="0" hangingPunct="1">
+      <a:defRPr sz="1200" kern="1200">
+        <a:solidFill>
+          <a:schemeClr val="tx1"/>
+        </a:solidFill>
+        <a:latin typeface="+mn-lt"/>
+        <a:ea typeface="+mn-ea"/>
+        <a:cs typeface="+mn-cs"/>
+      </a:defRPr>
+    </a:lvl5pPr>
+    <a:lvl6pPr marL="2286000" algn="l" defTabSz="914400" rtl="0" eaLnBrk="1" latinLnBrk="0" hangingPunct="1">
+      <a:defRPr sz="1200" kern="1200">
+        <a:solidFill>
+          <a:schemeClr val="tx1"/>
+        </a:solidFill>
+        <a:latin typeface="+mn-lt"/>
+        <a:ea typeface="+mn-ea"/>
+        <a:cs typeface="+mn-cs"/>
+      </a:defRPr>
+    </a:lvl6pPr>
+    <a:lvl7pPr marL="2743200" algn="l" defTabSz="914400" rtl="0" eaLnBrk="1" latinLnBrk="0" hangingPunct="1">
+      <a:defRPr sz="1200" kern="1200">
+        <a:solidFill>
+          <a:schemeClr val="tx1"/>
+        </a:solidFill>
+        <a:latin typeface="+mn-lt"/>
+        <a:ea typeface="+mn-ea"/>
+        <a:cs typeface="+mn-cs"/>
+      </a:defRPr>
+    </a:lvl7pPr>
+    <a:lvl8pPr marL="3200400" algn="l" defTabSz="914400" rtl="0" eaLnBrk="1" latinLnBrk="0" hangingPunct="1">
+      <a:defRPr sz="1200" kern="1200">
+        <a:solidFill>
+          <a:schemeClr val="tx1"/>
+        </a:solidFill>
+        <a:latin typeface="+mn-lt"/>
+        <a:ea typeface="+mn-ea"/>
+        <a:cs typeface="+mn-cs"/>
+      </a:defRPr>
+    </a:lvl8pPr>
+    <a:lvl9pPr marL="3657600" algn="l" defTabSz="914400" rtl="0" eaLnBrk="1" latinLnBrk="0" hangingPunct="1">
+      <a:defRPr sz="1200" kern="1200">
+        <a:solidFill>
+          <a:schemeClr val="tx1"/>
+        </a:solidFill>
+        <a:latin typeface="+mn-lt"/>
+        <a:ea typeface="+mn-ea"/>
+        <a:cs typeface="+mn-cs"/>
+      </a:defRPr>
+    </a:lvl9pPr>
+  </p:notesStyle>
+</p:notesMaster>
+</file>
+
+<file path=ppt/notesSlides/notesSlide1.xml><?xml version="1.0" encoding="utf-8"?>
+<p:notes xmlns:a="http://schemas.openxmlformats.org/drawingml/2006/main" xmlns:r="http://schemas.openxmlformats.org/officeDocument/2006/relationships" xmlns:p="http://schemas.openxmlformats.org/presentationml/2006/main">
+  <p:cSld>
+    <p:spTree>
+      <p:nvGrpSpPr>
+        <p:cNvPr id="1" name=""/>
+        <p:cNvGrpSpPr/>
+        <p:nvPr/>
+      </p:nvGrpSpPr>
+      <p:grpSpPr>
+        <a:xfrm>
+          <a:off x="0" y="0"/>
+          <a:ext cx="0" cy="0"/>
+          <a:chOff x="0" y="0"/>
+          <a:chExt cx="0" cy="0"/>
+        </a:xfrm>
+      </p:grpSpPr>
+      <p:sp>
+        <p:nvSpPr>
+          <p:cNvPr id="2" name="Espace réservé de l'image des diapositives 1"/>
+          <p:cNvSpPr>
+            <a:spLocks noGrp="1" noRot="1" noChangeAspect="1"/>
+          </p:cNvSpPr>
+          <p:nvPr>
+            <p:ph type="sldImg"/>
+          </p:nvPr>
+        </p:nvSpPr>
+        <p:spPr/>
+      </p:sp>
+      <p:sp>
+        <p:nvSpPr>
+          <p:cNvPr id="3" name="Espace réservé des notes 2"/>
+          <p:cNvSpPr>
+            <a:spLocks noGrp="1"/>
+          </p:cNvSpPr>
+          <p:nvPr>
+            <p:ph type="body" idx="1"/>
+          </p:nvPr>
+        </p:nvSpPr>
+        <p:spPr/>
+        <p:txBody>
+          <a:bodyPr/>
+          <a:lstStyle/>
+          <a:p>
+            <a:endParaRPr lang="fr-FR" dirty="0"/>
+          </a:p>
+        </p:txBody>
+      </p:sp>
+      <p:sp>
+        <p:nvSpPr>
+          <p:cNvPr id="4" name="Espace réservé du numéro de diapositive 3"/>
+          <p:cNvSpPr>
+            <a:spLocks noGrp="1"/>
+          </p:cNvSpPr>
+          <p:nvPr>
+            <p:ph type="sldNum" sz="quarter" idx="5"/>
+          </p:nvPr>
+        </p:nvSpPr>
+        <p:spPr/>
+        <p:txBody>
+          <a:bodyPr/>
+          <a:lstStyle/>
+          <a:p>
+            <a:fld id="{811CB2F6-EDFF-465E-98B2-99802F23E8BA}" type="slidenum">
+              <a:rPr lang="fr-FR" smtClean="0"/>
+              <a:t>1</a:t>
+            </a:fld>
+            <a:endParaRPr lang="fr-FR"/>
+          </a:p>
+        </p:txBody>
+      </p:sp>
+    </p:spTree>
+    <p:extLst>
+      <p:ext uri="{BB962C8B-B14F-4D97-AF65-F5344CB8AC3E}">
+        <p14:creationId xmlns:p14="http://schemas.microsoft.com/office/powerpoint/2010/main" val="96688220"/>
+      </p:ext>
+    </p:extLst>
+  </p:cSld>
+  <p:clrMapOvr>
+    <a:masterClrMapping/>
+  </p:clrMapOvr>
+</p:notes>
+</file>
+
+<file path=ppt/notesSlides/notesSlide2.xml><?xml version="1.0" encoding="utf-8"?>
+<p:notes xmlns:a="http://schemas.openxmlformats.org/drawingml/2006/main" xmlns:r="http://schemas.openxmlformats.org/officeDocument/2006/relationships" xmlns:p="http://schemas.openxmlformats.org/presentationml/2006/main">
+  <p:cSld>
+    <p:spTree>
+      <p:nvGrpSpPr>
+        <p:cNvPr id="1" name=""/>
+        <p:cNvGrpSpPr/>
+        <p:nvPr/>
+      </p:nvGrpSpPr>
+      <p:grpSpPr>
+        <a:xfrm>
+          <a:off x="0" y="0"/>
+          <a:ext cx="0" cy="0"/>
+          <a:chOff x="0" y="0"/>
+          <a:chExt cx="0" cy="0"/>
+        </a:xfrm>
+      </p:grpSpPr>
+      <p:sp>
+        <p:nvSpPr>
+          <p:cNvPr id="2" name="Espace réservé de l'image des diapositives 1"/>
+          <p:cNvSpPr>
+            <a:spLocks noGrp="1" noRot="1" noChangeAspect="1"/>
+          </p:cNvSpPr>
+          <p:nvPr>
+            <p:ph type="sldImg"/>
+          </p:nvPr>
+        </p:nvSpPr>
+        <p:spPr/>
+      </p:sp>
+      <p:sp>
+        <p:nvSpPr>
+          <p:cNvPr id="3" name="Espace réservé des notes 2"/>
+          <p:cNvSpPr>
+            <a:spLocks noGrp="1"/>
+          </p:cNvSpPr>
+          <p:nvPr>
+            <p:ph type="body" idx="1"/>
+          </p:nvPr>
+        </p:nvSpPr>
+        <p:spPr/>
+        <p:txBody>
+          <a:bodyPr/>
+          <a:lstStyle/>
+          <a:p>
+            <a:pPr marL="0" marR="0" lvl="0" indent="0" algn="l" defTabSz="914400" rtl="0" eaLnBrk="1" fontAlgn="auto" latinLnBrk="0" hangingPunct="1">
+              <a:lnSpc>
+                <a:spcPct val="100000"/>
+              </a:lnSpc>
+              <a:spcBef>
+                <a:spcPts val="0"/>
+              </a:spcBef>
+              <a:spcAft>
+                <a:spcPts val="0"/>
+              </a:spcAft>
+              <a:buClrTx/>
+              <a:buSzTx/>
+              <a:buFontTx/>
+              <a:buNone/>
+              <a:tabLst/>
+              <a:defRPr/>
+            </a:pPr>
+            <a:r>
+              <a:rPr lang="fr-FR" sz="1200" b="0" kern="1200" dirty="0">
+                <a:solidFill>
+                  <a:schemeClr val="tx1"/>
+                </a:solidFill>
+                <a:effectLst/>
+                <a:latin typeface="+mn-lt"/>
+                <a:ea typeface="+mn-ea"/>
+                <a:cs typeface="+mn-cs"/>
+              </a:rPr>
+              <a:t> un quiz de culture générale développé en </a:t>
+            </a:r>
+            <a:r>
+              <a:rPr lang="fr-FR" sz="1200" b="0" kern="1200" dirty="0" err="1">
+                <a:solidFill>
+                  <a:schemeClr val="tx1"/>
+                </a:solidFill>
+                <a:effectLst/>
+                <a:latin typeface="+mn-lt"/>
+                <a:ea typeface="+mn-ea"/>
+                <a:cs typeface="+mn-cs"/>
+              </a:rPr>
+              <a:t>React</a:t>
+            </a:r>
+            <a:r>
+              <a:rPr lang="fr-FR" sz="1200" b="0" kern="1200" dirty="0">
+                <a:solidFill>
+                  <a:schemeClr val="tx1"/>
+                </a:solidFill>
+                <a:effectLst/>
+                <a:latin typeface="+mn-lt"/>
+                <a:ea typeface="+mn-ea"/>
+                <a:cs typeface="+mn-cs"/>
+              </a:rPr>
+              <a:t>, avec une interface partiellement contrôlable à l’aide d’une manette Xbox. Ce projet vise à proposer une expérience interactive adaptée à un usage sur téléviseur, borne interactive ou salon, sans recourir à un clavier ou une souris.</a:t>
+            </a:r>
+          </a:p>
+          <a:p>
+            <a:endParaRPr lang="fr-FR" dirty="0"/>
+          </a:p>
+        </p:txBody>
+      </p:sp>
+      <p:sp>
+        <p:nvSpPr>
+          <p:cNvPr id="4" name="Espace réservé du numéro de diapositive 3"/>
+          <p:cNvSpPr>
+            <a:spLocks noGrp="1"/>
+          </p:cNvSpPr>
+          <p:nvPr>
+            <p:ph type="sldNum" sz="quarter" idx="5"/>
+          </p:nvPr>
+        </p:nvSpPr>
+        <p:spPr/>
+        <p:txBody>
+          <a:bodyPr/>
+          <a:lstStyle/>
+          <a:p>
+            <a:fld id="{811CB2F6-EDFF-465E-98B2-99802F23E8BA}" type="slidenum">
+              <a:rPr lang="fr-FR" smtClean="0"/>
+              <a:t>2</a:t>
+            </a:fld>
+            <a:endParaRPr lang="fr-FR"/>
+          </a:p>
+        </p:txBody>
+      </p:sp>
+    </p:spTree>
+    <p:extLst>
+      <p:ext uri="{BB962C8B-B14F-4D97-AF65-F5344CB8AC3E}">
+        <p14:creationId xmlns:p14="http://schemas.microsoft.com/office/powerpoint/2010/main" val="3239381035"/>
+      </p:ext>
+    </p:extLst>
+  </p:cSld>
+  <p:clrMapOvr>
+    <a:masterClrMapping/>
+  </p:clrMapOvr>
+</p:notes>
+</file>
+
+<file path=ppt/notesSlides/notesSlide3.xml><?xml version="1.0" encoding="utf-8"?>
+<p:notes xmlns:a="http://schemas.openxmlformats.org/drawingml/2006/main" xmlns:r="http://schemas.openxmlformats.org/officeDocument/2006/relationships" xmlns:p="http://schemas.openxmlformats.org/presentationml/2006/main">
+  <p:cSld>
+    <p:spTree>
+      <p:nvGrpSpPr>
+        <p:cNvPr id="1" name=""/>
+        <p:cNvGrpSpPr/>
+        <p:nvPr/>
+      </p:nvGrpSpPr>
+      <p:grpSpPr>
+        <a:xfrm>
+          <a:off x="0" y="0"/>
+          <a:ext cx="0" cy="0"/>
+          <a:chOff x="0" y="0"/>
+          <a:chExt cx="0" cy="0"/>
+        </a:xfrm>
+      </p:grpSpPr>
+      <p:sp>
+        <p:nvSpPr>
+          <p:cNvPr id="2" name="Espace réservé de l'image des diapositives 1"/>
+          <p:cNvSpPr>
+            <a:spLocks noGrp="1" noRot="1" noChangeAspect="1"/>
+          </p:cNvSpPr>
+          <p:nvPr>
+            <p:ph type="sldImg"/>
+          </p:nvPr>
+        </p:nvSpPr>
+        <p:spPr/>
+      </p:sp>
+      <p:sp>
+        <p:nvSpPr>
+          <p:cNvPr id="3" name="Espace réservé des notes 2"/>
+          <p:cNvSpPr>
+            <a:spLocks noGrp="1"/>
+          </p:cNvSpPr>
+          <p:nvPr>
+            <p:ph type="body" idx="1"/>
+          </p:nvPr>
+        </p:nvSpPr>
+        <p:spPr/>
+        <p:txBody>
+          <a:bodyPr/>
+          <a:lstStyle/>
+          <a:p>
+            <a:r>
+              <a:rPr lang="fr-FR" sz="1200" b="0" kern="1200" dirty="0">
+                <a:solidFill>
+                  <a:schemeClr val="tx1"/>
+                </a:solidFill>
+                <a:effectLst/>
+                <a:latin typeface="+mn-lt"/>
+                <a:ea typeface="+mn-ea"/>
+                <a:cs typeface="+mn-cs"/>
+              </a:rPr>
+              <a:t>J’ai structuré l’application avec </a:t>
+            </a:r>
+            <a:r>
+              <a:rPr lang="fr-FR" sz="1200" b="0" kern="1200" dirty="0" err="1">
+                <a:solidFill>
+                  <a:schemeClr val="tx1"/>
+                </a:solidFill>
+                <a:effectLst/>
+                <a:latin typeface="+mn-lt"/>
+                <a:ea typeface="+mn-ea"/>
+                <a:cs typeface="+mn-cs"/>
+              </a:rPr>
+              <a:t>React</a:t>
+            </a:r>
+            <a:r>
+              <a:rPr lang="fr-FR" sz="1200" b="0" kern="1200" dirty="0">
+                <a:solidFill>
+                  <a:schemeClr val="tx1"/>
+                </a:solidFill>
+                <a:effectLst/>
+                <a:latin typeface="+mn-lt"/>
+                <a:ea typeface="+mn-ea"/>
+                <a:cs typeface="+mn-cs"/>
+              </a:rPr>
+              <a:t>, en utilisant </a:t>
+            </a:r>
+            <a:r>
+              <a:rPr lang="fr-FR" sz="1200" b="0" kern="1200" dirty="0" err="1">
+                <a:solidFill>
+                  <a:schemeClr val="tx1"/>
+                </a:solidFill>
+                <a:effectLst/>
+                <a:latin typeface="+mn-lt"/>
+                <a:ea typeface="+mn-ea"/>
+                <a:cs typeface="+mn-cs"/>
+              </a:rPr>
+              <a:t>React</a:t>
+            </a:r>
+            <a:r>
+              <a:rPr lang="fr-FR" sz="1200" b="0" kern="1200" dirty="0">
+                <a:solidFill>
+                  <a:schemeClr val="tx1"/>
+                </a:solidFill>
+                <a:effectLst/>
+                <a:latin typeface="+mn-lt"/>
+                <a:ea typeface="+mn-ea"/>
+                <a:cs typeface="+mn-cs"/>
+              </a:rPr>
+              <a:t> Router pour gérer la navigation entre plusieurs pages : une page d’accueil, une page quiz, et une page de résultats.</a:t>
+            </a:r>
+          </a:p>
+          <a:p>
+            <a:br>
+              <a:rPr lang="fr-FR" sz="1200" b="0" kern="1200" dirty="0">
+                <a:solidFill>
+                  <a:schemeClr val="tx1"/>
+                </a:solidFill>
+                <a:effectLst/>
+                <a:latin typeface="+mn-lt"/>
+                <a:ea typeface="+mn-ea"/>
+                <a:cs typeface="+mn-cs"/>
+              </a:rPr>
+            </a:br>
+            <a:r>
+              <a:rPr lang="fr-FR" sz="1200" b="0" kern="1200" dirty="0" err="1">
+                <a:solidFill>
+                  <a:schemeClr val="tx1"/>
+                </a:solidFill>
+                <a:effectLst/>
+                <a:latin typeface="+mn-lt"/>
+                <a:ea typeface="+mn-ea"/>
+                <a:cs typeface="+mn-cs"/>
+              </a:rPr>
+              <a:t>React</a:t>
+            </a:r>
+            <a:r>
+              <a:rPr lang="fr-FR" sz="1200" b="0" kern="1200" dirty="0">
+                <a:solidFill>
+                  <a:schemeClr val="tx1"/>
+                </a:solidFill>
+                <a:effectLst/>
+                <a:latin typeface="+mn-lt"/>
+                <a:ea typeface="+mn-ea"/>
+                <a:cs typeface="+mn-cs"/>
+              </a:rPr>
+              <a:t> Router facilite la gestion des routes protégées, indispensable pour intégrer une future authentification si besoin.</a:t>
+            </a:r>
+          </a:p>
+          <a:p>
+            <a:endParaRPr lang="fr-FR" dirty="0"/>
+          </a:p>
+        </p:txBody>
+      </p:sp>
+      <p:sp>
+        <p:nvSpPr>
+          <p:cNvPr id="4" name="Espace réservé du numéro de diapositive 3"/>
+          <p:cNvSpPr>
+            <a:spLocks noGrp="1"/>
+          </p:cNvSpPr>
+          <p:nvPr>
+            <p:ph type="sldNum" sz="quarter" idx="5"/>
+          </p:nvPr>
+        </p:nvSpPr>
+        <p:spPr/>
+        <p:txBody>
+          <a:bodyPr/>
+          <a:lstStyle/>
+          <a:p>
+            <a:fld id="{811CB2F6-EDFF-465E-98B2-99802F23E8BA}" type="slidenum">
+              <a:rPr lang="fr-FR" smtClean="0"/>
+              <a:t>4</a:t>
+            </a:fld>
+            <a:endParaRPr lang="fr-FR"/>
+          </a:p>
+        </p:txBody>
+      </p:sp>
+    </p:spTree>
+    <p:extLst>
+      <p:ext uri="{BB962C8B-B14F-4D97-AF65-F5344CB8AC3E}">
+        <p14:creationId xmlns:p14="http://schemas.microsoft.com/office/powerpoint/2010/main" val="1725647794"/>
+      </p:ext>
+    </p:extLst>
+  </p:cSld>
+  <p:clrMapOvr>
+    <a:masterClrMapping/>
+  </p:clrMapOvr>
+</p:notes>
+</file>
+
+<file path=ppt/notesSlides/notesSlide4.xml><?xml version="1.0" encoding="utf-8"?>
+<p:notes xmlns:a="http://schemas.openxmlformats.org/drawingml/2006/main" xmlns:r="http://schemas.openxmlformats.org/officeDocument/2006/relationships" xmlns:p="http://schemas.openxmlformats.org/presentationml/2006/main">
+  <p:cSld>
+    <p:spTree>
+      <p:nvGrpSpPr>
+        <p:cNvPr id="1" name=""/>
+        <p:cNvGrpSpPr/>
+        <p:nvPr/>
+      </p:nvGrpSpPr>
+      <p:grpSpPr>
+        <a:xfrm>
+          <a:off x="0" y="0"/>
+          <a:ext cx="0" cy="0"/>
+          <a:chOff x="0" y="0"/>
+          <a:chExt cx="0" cy="0"/>
+        </a:xfrm>
+      </p:grpSpPr>
+      <p:sp>
+        <p:nvSpPr>
+          <p:cNvPr id="2" name="Espace réservé de l'image des diapositives 1"/>
+          <p:cNvSpPr>
+            <a:spLocks noGrp="1" noRot="1" noChangeAspect="1"/>
+          </p:cNvSpPr>
+          <p:nvPr>
+            <p:ph type="sldImg"/>
+          </p:nvPr>
+        </p:nvSpPr>
+        <p:spPr/>
+      </p:sp>
+      <p:sp>
+        <p:nvSpPr>
+          <p:cNvPr id="3" name="Espace réservé des notes 2"/>
+          <p:cNvSpPr>
+            <a:spLocks noGrp="1"/>
+          </p:cNvSpPr>
+          <p:nvPr>
+            <p:ph type="body" idx="1"/>
+          </p:nvPr>
+        </p:nvSpPr>
+        <p:spPr/>
+        <p:txBody>
+          <a:bodyPr/>
+          <a:lstStyle/>
+          <a:p>
+            <a:pPr marL="0" marR="0" lvl="0" indent="0" algn="l" defTabSz="914400" rtl="0" eaLnBrk="1" fontAlgn="auto" latinLnBrk="0" hangingPunct="1">
+              <a:lnSpc>
+                <a:spcPct val="100000"/>
+              </a:lnSpc>
+              <a:spcBef>
+                <a:spcPts val="0"/>
+              </a:spcBef>
+              <a:spcAft>
+                <a:spcPts val="0"/>
+              </a:spcAft>
+              <a:buClrTx/>
+              <a:buSzTx/>
+              <a:buFontTx/>
+              <a:buNone/>
+              <a:tabLst/>
+              <a:defRPr/>
+            </a:pPr>
+            <a:r>
+              <a:rPr lang="fr-FR" sz="1200" b="0" kern="1200" dirty="0">
+                <a:solidFill>
+                  <a:schemeClr val="tx1"/>
+                </a:solidFill>
+                <a:effectLst/>
+                <a:latin typeface="+mn-lt"/>
+                <a:ea typeface="+mn-ea"/>
+                <a:cs typeface="+mn-cs"/>
+              </a:rPr>
+              <a:t>Pour récupérer dynamiquement les questions, j’ai utilisé Axios, qui permet de faire des requêtes HTTP asynchrones simples et robustes. Axios facilite la gestion des erreurs, comme la limitation des requêtes (code 429) imposée par l’API.</a:t>
+            </a:r>
+          </a:p>
+          <a:p>
+            <a:endParaRPr lang="fr-FR" dirty="0"/>
+          </a:p>
+        </p:txBody>
+      </p:sp>
+      <p:sp>
+        <p:nvSpPr>
+          <p:cNvPr id="4" name="Espace réservé du numéro de diapositive 3"/>
+          <p:cNvSpPr>
+            <a:spLocks noGrp="1"/>
+          </p:cNvSpPr>
+          <p:nvPr>
+            <p:ph type="sldNum" sz="quarter" idx="5"/>
+          </p:nvPr>
+        </p:nvSpPr>
+        <p:spPr/>
+        <p:txBody>
+          <a:bodyPr/>
+          <a:lstStyle/>
+          <a:p>
+            <a:fld id="{811CB2F6-EDFF-465E-98B2-99802F23E8BA}" type="slidenum">
+              <a:rPr lang="fr-FR" smtClean="0"/>
+              <a:t>5</a:t>
+            </a:fld>
+            <a:endParaRPr lang="fr-FR"/>
+          </a:p>
+        </p:txBody>
+      </p:sp>
+    </p:spTree>
+    <p:extLst>
+      <p:ext uri="{BB962C8B-B14F-4D97-AF65-F5344CB8AC3E}">
+        <p14:creationId xmlns:p14="http://schemas.microsoft.com/office/powerpoint/2010/main" val="1587715322"/>
+      </p:ext>
+    </p:extLst>
+  </p:cSld>
+  <p:clrMapOvr>
+    <a:masterClrMapping/>
+  </p:clrMapOvr>
+</p:notes>
+</file>
+
+<file path=ppt/notesSlides/notesSlide5.xml><?xml version="1.0" encoding="utf-8"?>
+<p:notes xmlns:a="http://schemas.openxmlformats.org/drawingml/2006/main" xmlns:r="http://schemas.openxmlformats.org/officeDocument/2006/relationships" xmlns:p="http://schemas.openxmlformats.org/presentationml/2006/main">
+  <p:cSld>
+    <p:spTree>
+      <p:nvGrpSpPr>
+        <p:cNvPr id="1" name=""/>
+        <p:cNvGrpSpPr/>
+        <p:nvPr/>
+      </p:nvGrpSpPr>
+      <p:grpSpPr>
+        <a:xfrm>
+          <a:off x="0" y="0"/>
+          <a:ext cx="0" cy="0"/>
+          <a:chOff x="0" y="0"/>
+          <a:chExt cx="0" cy="0"/>
+        </a:xfrm>
+      </p:grpSpPr>
+      <p:sp>
+        <p:nvSpPr>
+          <p:cNvPr id="2" name="Espace réservé de l'image des diapositives 1"/>
+          <p:cNvSpPr>
+            <a:spLocks noGrp="1" noRot="1" noChangeAspect="1"/>
+          </p:cNvSpPr>
+          <p:nvPr>
+            <p:ph type="sldImg"/>
+          </p:nvPr>
+        </p:nvSpPr>
+        <p:spPr/>
+      </p:sp>
+      <p:sp>
+        <p:nvSpPr>
+          <p:cNvPr id="3" name="Espace réservé des notes 2"/>
+          <p:cNvSpPr>
+            <a:spLocks noGrp="1"/>
+          </p:cNvSpPr>
+          <p:nvPr>
+            <p:ph type="body" idx="1"/>
+          </p:nvPr>
+        </p:nvSpPr>
+        <p:spPr/>
+        <p:txBody>
+          <a:bodyPr/>
+          <a:lstStyle/>
+          <a:p>
+            <a:r>
+              <a:rPr lang="fr-FR" sz="1200" b="0" kern="1200" dirty="0">
+                <a:solidFill>
+                  <a:schemeClr val="tx1"/>
+                </a:solidFill>
+                <a:effectLst/>
+                <a:latin typeface="+mn-lt"/>
+                <a:ea typeface="+mn-ea"/>
+                <a:cs typeface="+mn-cs"/>
+              </a:rPr>
+              <a:t>L’API Open </a:t>
+            </a:r>
+            <a:r>
+              <a:rPr lang="fr-FR" sz="1200" b="0" kern="1200" dirty="0" err="1">
+                <a:solidFill>
+                  <a:schemeClr val="tx1"/>
+                </a:solidFill>
+                <a:effectLst/>
+                <a:latin typeface="+mn-lt"/>
+                <a:ea typeface="+mn-ea"/>
+                <a:cs typeface="+mn-cs"/>
+              </a:rPr>
+              <a:t>Trivia</a:t>
+            </a:r>
+            <a:r>
+              <a:rPr lang="fr-FR" sz="1200" b="0" kern="1200" dirty="0">
+                <a:solidFill>
+                  <a:schemeClr val="tx1"/>
+                </a:solidFill>
+                <a:effectLst/>
+                <a:latin typeface="+mn-lt"/>
+                <a:ea typeface="+mn-ea"/>
+                <a:cs typeface="+mn-cs"/>
+              </a:rPr>
+              <a:t> DB m’a fourni un ensemble varié de questions de culture générale. Elle propose un accès libre à des questions de différents niveaux et catégories, ce qui m’a permis de créer un quiz dynamique sans backend personnalisé.</a:t>
+            </a:r>
+          </a:p>
+          <a:p>
+            <a:br>
+              <a:rPr lang="fr-FR" sz="1200" b="0" kern="1200" dirty="0">
+                <a:solidFill>
+                  <a:schemeClr val="tx1"/>
+                </a:solidFill>
+                <a:effectLst/>
+                <a:latin typeface="+mn-lt"/>
+                <a:ea typeface="+mn-ea"/>
+                <a:cs typeface="+mn-cs"/>
+              </a:rPr>
+            </a:br>
+            <a:r>
+              <a:rPr lang="fr-FR" sz="1200" b="0" kern="1200" dirty="0">
+                <a:solidFill>
+                  <a:schemeClr val="tx1"/>
+                </a:solidFill>
+                <a:effectLst/>
+                <a:latin typeface="+mn-lt"/>
+                <a:ea typeface="+mn-ea"/>
+                <a:cs typeface="+mn-cs"/>
+              </a:rPr>
+              <a:t>Son intégration a été simple, mais elle présente quelques limites. Tout d’abord, le nombre de requêtes est restreint à une certaine fréquence, ce qui peut entraîner des erreurs si l’on rafraîchit trop souvent. Ensuite, les questions sont en anglais par défaut, ce qui nécessite soit de filtrer le contenu, soit de le traduire automatiquement</a:t>
+            </a:r>
+          </a:p>
+          <a:p>
+            <a:endParaRPr lang="fr-FR" dirty="0"/>
+          </a:p>
+        </p:txBody>
+      </p:sp>
+      <p:sp>
+        <p:nvSpPr>
+          <p:cNvPr id="4" name="Espace réservé du numéro de diapositive 3"/>
+          <p:cNvSpPr>
+            <a:spLocks noGrp="1"/>
+          </p:cNvSpPr>
+          <p:nvPr>
+            <p:ph type="sldNum" sz="quarter" idx="5"/>
+          </p:nvPr>
+        </p:nvSpPr>
+        <p:spPr/>
+        <p:txBody>
+          <a:bodyPr/>
+          <a:lstStyle/>
+          <a:p>
+            <a:fld id="{811CB2F6-EDFF-465E-98B2-99802F23E8BA}" type="slidenum">
+              <a:rPr lang="fr-FR" smtClean="0"/>
+              <a:t>6</a:t>
+            </a:fld>
+            <a:endParaRPr lang="fr-FR"/>
+          </a:p>
+        </p:txBody>
+      </p:sp>
+    </p:spTree>
+    <p:extLst>
+      <p:ext uri="{BB962C8B-B14F-4D97-AF65-F5344CB8AC3E}">
+        <p14:creationId xmlns:p14="http://schemas.microsoft.com/office/powerpoint/2010/main" val="4052483405"/>
+      </p:ext>
+    </p:extLst>
+  </p:cSld>
+  <p:clrMapOvr>
+    <a:masterClrMapping/>
+  </p:clrMapOvr>
+</p:notes>
+</file>
+
+<file path=ppt/notesSlides/notesSlide6.xml><?xml version="1.0" encoding="utf-8"?>
+<p:notes xmlns:a="http://schemas.openxmlformats.org/drawingml/2006/main" xmlns:r="http://schemas.openxmlformats.org/officeDocument/2006/relationships" xmlns:p="http://schemas.openxmlformats.org/presentationml/2006/main">
+  <p:cSld>
+    <p:spTree>
+      <p:nvGrpSpPr>
+        <p:cNvPr id="1" name=""/>
+        <p:cNvGrpSpPr/>
+        <p:nvPr/>
+      </p:nvGrpSpPr>
+      <p:grpSpPr>
+        <a:xfrm>
+          <a:off x="0" y="0"/>
+          <a:ext cx="0" cy="0"/>
+          <a:chOff x="0" y="0"/>
+          <a:chExt cx="0" cy="0"/>
+        </a:xfrm>
+      </p:grpSpPr>
+      <p:sp>
+        <p:nvSpPr>
+          <p:cNvPr id="2" name="Espace réservé de l'image des diapositives 1"/>
+          <p:cNvSpPr>
+            <a:spLocks noGrp="1" noRot="1" noChangeAspect="1"/>
+          </p:cNvSpPr>
+          <p:nvPr>
+            <p:ph type="sldImg"/>
+          </p:nvPr>
+        </p:nvSpPr>
+        <p:spPr/>
+      </p:sp>
+      <p:sp>
+        <p:nvSpPr>
+          <p:cNvPr id="3" name="Espace réservé des notes 2"/>
+          <p:cNvSpPr>
+            <a:spLocks noGrp="1"/>
+          </p:cNvSpPr>
+          <p:nvPr>
+            <p:ph type="body" idx="1"/>
+          </p:nvPr>
+        </p:nvSpPr>
+        <p:spPr/>
+        <p:txBody>
+          <a:bodyPr/>
+          <a:lstStyle/>
+          <a:p>
+            <a:r>
+              <a:rPr lang="fr-FR" sz="1200" b="0" kern="1200" dirty="0">
+                <a:solidFill>
+                  <a:schemeClr val="tx1"/>
+                </a:solidFill>
+                <a:effectLst/>
+                <a:latin typeface="+mn-lt"/>
+                <a:ea typeface="+mn-ea"/>
+                <a:cs typeface="+mn-cs"/>
+              </a:rPr>
+              <a:t>La principale originalité du projet est l’intégration de la </a:t>
+            </a:r>
+            <a:r>
+              <a:rPr lang="fr-FR" sz="1200" b="1" kern="1200" dirty="0">
+                <a:solidFill>
+                  <a:schemeClr val="tx1"/>
+                </a:solidFill>
+                <a:effectLst/>
+                <a:latin typeface="+mn-lt"/>
+                <a:ea typeface="+mn-ea"/>
+                <a:cs typeface="+mn-cs"/>
+              </a:rPr>
+              <a:t>**</a:t>
+            </a:r>
+            <a:r>
+              <a:rPr lang="fr-FR" sz="1200" b="1" kern="1200" dirty="0" err="1">
+                <a:solidFill>
+                  <a:schemeClr val="tx1"/>
+                </a:solidFill>
+                <a:effectLst/>
+                <a:latin typeface="+mn-lt"/>
+                <a:ea typeface="+mn-ea"/>
+                <a:cs typeface="+mn-cs"/>
+              </a:rPr>
+              <a:t>Gamepad</a:t>
+            </a:r>
+            <a:r>
+              <a:rPr lang="fr-FR" sz="1200" b="1" kern="1200" dirty="0">
+                <a:solidFill>
+                  <a:schemeClr val="tx1"/>
+                </a:solidFill>
+                <a:effectLst/>
+                <a:latin typeface="+mn-lt"/>
+                <a:ea typeface="+mn-ea"/>
+                <a:cs typeface="+mn-cs"/>
+              </a:rPr>
+              <a:t> API**</a:t>
+            </a:r>
+            <a:r>
+              <a:rPr lang="fr-FR" sz="1200" b="0" kern="1200" dirty="0">
+                <a:solidFill>
+                  <a:schemeClr val="tx1"/>
+                </a:solidFill>
+                <a:effectLst/>
+                <a:latin typeface="+mn-lt"/>
+                <a:ea typeface="+mn-ea"/>
+                <a:cs typeface="+mn-cs"/>
+              </a:rPr>
+              <a:t>, une API native du navigateur qui permet d’interagir avec des manettes de jeu.</a:t>
+            </a:r>
+          </a:p>
+          <a:p>
+            <a:br>
+              <a:rPr lang="fr-FR" sz="1200" b="0" kern="1200" dirty="0">
+                <a:solidFill>
+                  <a:schemeClr val="tx1"/>
+                </a:solidFill>
+                <a:effectLst/>
+                <a:latin typeface="+mn-lt"/>
+                <a:ea typeface="+mn-ea"/>
+                <a:cs typeface="+mn-cs"/>
+              </a:rPr>
+            </a:br>
+            <a:r>
+              <a:rPr lang="fr-FR" sz="1200" b="0" kern="1200" dirty="0">
+                <a:solidFill>
+                  <a:schemeClr val="tx1"/>
+                </a:solidFill>
+                <a:effectLst/>
+                <a:latin typeface="+mn-lt"/>
+                <a:ea typeface="+mn-ea"/>
+                <a:cs typeface="+mn-cs"/>
+              </a:rPr>
+              <a:t>- J’ai choisi d’utiliser uniquement la croix directionnelle (D-pad) pour la navigation, car elle offre un contrôle précis, contrairement au joystick qui est trop sensible.</a:t>
+            </a:r>
+          </a:p>
+          <a:p>
+            <a:r>
+              <a:rPr lang="fr-FR" sz="1200" b="0" kern="1200" dirty="0">
+                <a:solidFill>
+                  <a:schemeClr val="tx1"/>
+                </a:solidFill>
+                <a:effectLst/>
+                <a:latin typeface="+mn-lt"/>
+                <a:ea typeface="+mn-ea"/>
+                <a:cs typeface="+mn-cs"/>
+              </a:rPr>
+              <a:t>- J’ai implémenté un système de temporisation (</a:t>
+            </a:r>
+            <a:r>
+              <a:rPr lang="fr-FR" sz="1200" b="0" kern="1200" dirty="0" err="1">
+                <a:solidFill>
+                  <a:schemeClr val="tx1"/>
+                </a:solidFill>
+                <a:effectLst/>
+                <a:latin typeface="+mn-lt"/>
+                <a:ea typeface="+mn-ea"/>
+                <a:cs typeface="+mn-cs"/>
+              </a:rPr>
+              <a:t>cooldown</a:t>
+            </a:r>
+            <a:r>
+              <a:rPr lang="fr-FR" sz="1200" b="0" kern="1200" dirty="0">
+                <a:solidFill>
+                  <a:schemeClr val="tx1"/>
+                </a:solidFill>
+                <a:effectLst/>
+                <a:latin typeface="+mn-lt"/>
+                <a:ea typeface="+mn-ea"/>
+                <a:cs typeface="+mn-cs"/>
+              </a:rPr>
+              <a:t>) pour éviter les multiples déclenchements dus à un appui prolongé.</a:t>
+            </a:r>
+          </a:p>
+          <a:p>
+            <a:r>
+              <a:rPr lang="fr-FR" sz="1200" b="0" kern="1200" dirty="0">
+                <a:solidFill>
+                  <a:schemeClr val="tx1"/>
+                </a:solidFill>
+                <a:effectLst/>
+                <a:latin typeface="+mn-lt"/>
+                <a:ea typeface="+mn-ea"/>
+                <a:cs typeface="+mn-cs"/>
+              </a:rPr>
+              <a:t>- Les boutons permettent de sélectionner une réponse et de valider le choix.</a:t>
+            </a:r>
+          </a:p>
+          <a:p>
+            <a:br>
+              <a:rPr lang="fr-FR" sz="1200" b="0" kern="1200" dirty="0">
+                <a:solidFill>
+                  <a:schemeClr val="tx1"/>
+                </a:solidFill>
+                <a:effectLst/>
+                <a:latin typeface="+mn-lt"/>
+                <a:ea typeface="+mn-ea"/>
+                <a:cs typeface="+mn-cs"/>
+              </a:rPr>
+            </a:br>
+            <a:r>
+              <a:rPr lang="fr-FR" sz="1200" b="0" kern="1200" dirty="0">
+                <a:solidFill>
+                  <a:schemeClr val="tx1"/>
+                </a:solidFill>
+                <a:effectLst/>
+                <a:latin typeface="+mn-lt"/>
+                <a:ea typeface="+mn-ea"/>
+                <a:cs typeface="+mn-cs"/>
+              </a:rPr>
+              <a:t>Cette interaction sans périphériques classiques rend le quiz particulièrement adapté à un usage sur téléviseur ou borne.</a:t>
+            </a:r>
+          </a:p>
+          <a:p>
+            <a:endParaRPr lang="fr-FR" dirty="0"/>
+          </a:p>
+        </p:txBody>
+      </p:sp>
+      <p:sp>
+        <p:nvSpPr>
+          <p:cNvPr id="4" name="Espace réservé du numéro de diapositive 3"/>
+          <p:cNvSpPr>
+            <a:spLocks noGrp="1"/>
+          </p:cNvSpPr>
+          <p:nvPr>
+            <p:ph type="sldNum" sz="quarter" idx="5"/>
+          </p:nvPr>
+        </p:nvSpPr>
+        <p:spPr/>
+        <p:txBody>
+          <a:bodyPr/>
+          <a:lstStyle/>
+          <a:p>
+            <a:fld id="{811CB2F6-EDFF-465E-98B2-99802F23E8BA}" type="slidenum">
+              <a:rPr lang="fr-FR" smtClean="0"/>
+              <a:t>8</a:t>
+            </a:fld>
+            <a:endParaRPr lang="fr-FR"/>
+          </a:p>
+        </p:txBody>
+      </p:sp>
+    </p:spTree>
+    <p:extLst>
+      <p:ext uri="{BB962C8B-B14F-4D97-AF65-F5344CB8AC3E}">
+        <p14:creationId xmlns:p14="http://schemas.microsoft.com/office/powerpoint/2010/main" val="1383309552"/>
+      </p:ext>
+    </p:extLst>
+  </p:cSld>
+  <p:clrMapOvr>
+    <a:masterClrMapping/>
+  </p:clrMapOvr>
+</p:notes>
+</file>
+
+<file path=ppt/notesSlides/notesSlide7.xml><?xml version="1.0" encoding="utf-8"?>
+<p:notes xmlns:a="http://schemas.openxmlformats.org/drawingml/2006/main" xmlns:r="http://schemas.openxmlformats.org/officeDocument/2006/relationships" xmlns:p="http://schemas.openxmlformats.org/presentationml/2006/main">
+  <p:cSld>
+    <p:spTree>
+      <p:nvGrpSpPr>
+        <p:cNvPr id="1" name=""/>
+        <p:cNvGrpSpPr/>
+        <p:nvPr/>
+      </p:nvGrpSpPr>
+      <p:grpSpPr>
+        <a:xfrm>
+          <a:off x="0" y="0"/>
+          <a:ext cx="0" cy="0"/>
+          <a:chOff x="0" y="0"/>
+          <a:chExt cx="0" cy="0"/>
+        </a:xfrm>
+      </p:grpSpPr>
+      <p:sp>
+        <p:nvSpPr>
+          <p:cNvPr id="2" name="Espace réservé de l'image des diapositives 1"/>
+          <p:cNvSpPr>
+            <a:spLocks noGrp="1" noRot="1" noChangeAspect="1"/>
+          </p:cNvSpPr>
+          <p:nvPr>
+            <p:ph type="sldImg"/>
+          </p:nvPr>
+        </p:nvSpPr>
+        <p:spPr/>
+      </p:sp>
+      <p:sp>
+        <p:nvSpPr>
+          <p:cNvPr id="3" name="Espace réservé des notes 2"/>
+          <p:cNvSpPr>
+            <a:spLocks noGrp="1"/>
+          </p:cNvSpPr>
+          <p:nvPr>
+            <p:ph type="body" idx="1"/>
+          </p:nvPr>
+        </p:nvSpPr>
+        <p:spPr/>
+        <p:txBody>
+          <a:bodyPr/>
+          <a:lstStyle/>
+          <a:p>
+            <a:r>
+              <a:rPr lang="fr-FR" sz="1200" b="0" kern="1200" dirty="0">
+                <a:solidFill>
+                  <a:schemeClr val="tx1"/>
+                </a:solidFill>
+                <a:effectLst/>
+                <a:latin typeface="+mn-lt"/>
+                <a:ea typeface="+mn-ea"/>
+                <a:cs typeface="+mn-cs"/>
+              </a:rPr>
+              <a:t>- Chargement automatique de 10 questions à chaque session, avec mélange aléatoire des réponses.</a:t>
+            </a:r>
+          </a:p>
+          <a:p>
+            <a:r>
+              <a:rPr lang="fr-FR" sz="1200" b="0" kern="1200" dirty="0">
+                <a:solidFill>
+                  <a:schemeClr val="tx1"/>
+                </a:solidFill>
+                <a:effectLst/>
+                <a:latin typeface="+mn-lt"/>
+                <a:ea typeface="+mn-ea"/>
+                <a:cs typeface="+mn-cs"/>
+              </a:rPr>
+              <a:t>- Gestion du score en temps réel.</a:t>
+            </a:r>
+          </a:p>
+          <a:p>
+            <a:r>
+              <a:rPr lang="fr-FR" sz="1200" b="0" kern="1200" dirty="0">
+                <a:solidFill>
+                  <a:schemeClr val="tx1"/>
+                </a:solidFill>
+                <a:effectLst/>
+                <a:latin typeface="+mn-lt"/>
+                <a:ea typeface="+mn-ea"/>
+                <a:cs typeface="+mn-cs"/>
+              </a:rPr>
+              <a:t>- Passage automatique à la question suivante après validation.</a:t>
+            </a:r>
+          </a:p>
+          <a:p>
+            <a:br>
+              <a:rPr lang="fr-FR" dirty="0"/>
+            </a:br>
+            <a:r>
+              <a:rPr lang="fr-FR" sz="1200" b="0" kern="1200" dirty="0">
+                <a:solidFill>
+                  <a:schemeClr val="tx1"/>
+                </a:solidFill>
+                <a:effectLst/>
+                <a:latin typeface="+mn-lt"/>
+                <a:ea typeface="+mn-ea"/>
+                <a:cs typeface="+mn-cs"/>
+              </a:rPr>
+              <a:t>- Affichage clair et centré des questions et réponses.</a:t>
+            </a:r>
+          </a:p>
+          <a:p>
+            <a:r>
+              <a:rPr lang="fr-FR" sz="1200" b="0" kern="1200" dirty="0">
+                <a:solidFill>
+                  <a:schemeClr val="tx1"/>
+                </a:solidFill>
+                <a:effectLst/>
+                <a:latin typeface="+mn-lt"/>
+                <a:ea typeface="+mn-ea"/>
+                <a:cs typeface="+mn-cs"/>
+              </a:rPr>
+              <a:t>- Barre de progression dynamique indiquant l’avancement dans le quiz.</a:t>
+            </a:r>
+          </a:p>
+          <a:p>
+            <a:r>
+              <a:rPr lang="fr-FR" sz="1200" b="0" kern="1200" dirty="0">
+                <a:solidFill>
+                  <a:schemeClr val="tx1"/>
+                </a:solidFill>
+                <a:effectLst/>
+                <a:latin typeface="+mn-lt"/>
+                <a:ea typeface="+mn-ea"/>
+                <a:cs typeface="+mn-cs"/>
+              </a:rPr>
+              <a:t>- Boutons interactifs avec styles adaptés (</a:t>
+            </a:r>
+            <a:r>
+              <a:rPr lang="fr-FR" sz="1200" b="0" kern="1200" dirty="0" err="1">
+                <a:solidFill>
+                  <a:schemeClr val="tx1"/>
+                </a:solidFill>
+                <a:effectLst/>
+                <a:latin typeface="+mn-lt"/>
+                <a:ea typeface="+mn-ea"/>
+                <a:cs typeface="+mn-cs"/>
+              </a:rPr>
+              <a:t>hover</a:t>
+            </a:r>
+            <a:r>
+              <a:rPr lang="fr-FR" sz="1200" b="0" kern="1200" dirty="0">
+                <a:solidFill>
+                  <a:schemeClr val="tx1"/>
+                </a:solidFill>
+                <a:effectLst/>
+                <a:latin typeface="+mn-lt"/>
+                <a:ea typeface="+mn-ea"/>
+                <a:cs typeface="+mn-cs"/>
+              </a:rPr>
+              <a:t>, sélection, désactivation).</a:t>
+            </a:r>
+          </a:p>
+          <a:p>
+            <a:r>
+              <a:rPr lang="fr-FR" sz="1200" b="0" kern="1200" dirty="0">
+                <a:solidFill>
+                  <a:schemeClr val="tx1"/>
+                </a:solidFill>
+                <a:effectLst/>
+                <a:latin typeface="+mn-lt"/>
+                <a:ea typeface="+mn-ea"/>
+                <a:cs typeface="+mn-cs"/>
+              </a:rPr>
+              <a:t>- Messages personnalisés à la fin selon le score obtenu, avec incitation à rejouer.</a:t>
+            </a:r>
+          </a:p>
+          <a:p>
+            <a:r>
+              <a:rPr lang="fr-FR" sz="1200" b="0" kern="1200" dirty="0">
+                <a:solidFill>
+                  <a:schemeClr val="tx1"/>
+                </a:solidFill>
+                <a:effectLst/>
+                <a:latin typeface="+mn-lt"/>
+                <a:ea typeface="+mn-ea"/>
+                <a:cs typeface="+mn-cs"/>
+              </a:rPr>
+              <a:t>- Page finale centrée verticalement et horizontalement pour un rendu esthétique.</a:t>
+            </a:r>
+          </a:p>
+          <a:p>
+            <a:endParaRPr lang="fr-FR" dirty="0"/>
+          </a:p>
+        </p:txBody>
+      </p:sp>
+      <p:sp>
+        <p:nvSpPr>
+          <p:cNvPr id="4" name="Espace réservé du numéro de diapositive 3"/>
+          <p:cNvSpPr>
+            <a:spLocks noGrp="1"/>
+          </p:cNvSpPr>
+          <p:nvPr>
+            <p:ph type="sldNum" sz="quarter" idx="5"/>
+          </p:nvPr>
+        </p:nvSpPr>
+        <p:spPr/>
+        <p:txBody>
+          <a:bodyPr/>
+          <a:lstStyle/>
+          <a:p>
+            <a:fld id="{811CB2F6-EDFF-465E-98B2-99802F23E8BA}" type="slidenum">
+              <a:rPr lang="fr-FR" smtClean="0"/>
+              <a:t>9</a:t>
+            </a:fld>
+            <a:endParaRPr lang="fr-FR"/>
+          </a:p>
+        </p:txBody>
+      </p:sp>
+    </p:spTree>
+    <p:extLst>
+      <p:ext uri="{BB962C8B-B14F-4D97-AF65-F5344CB8AC3E}">
+        <p14:creationId xmlns:p14="http://schemas.microsoft.com/office/powerpoint/2010/main" val="1679969245"/>
+      </p:ext>
+    </p:extLst>
+  </p:cSld>
+  <p:clrMapOvr>
+    <a:masterClrMapping/>
+  </p:clrMapOvr>
+</p:notes>
+</file>
+
 <file path=ppt/slideLayouts/slideLayout1.xml><?xml version="1.0" encoding="utf-8"?>
 <p:sldLayout xmlns:a="http://schemas.openxmlformats.org/drawingml/2006/main" xmlns:r="http://schemas.openxmlformats.org/officeDocument/2006/relationships" xmlns:p="http://schemas.openxmlformats.org/presentationml/2006/main" type="title" preserve="1">
   <p:cSld name="Title Slide">
@@ -18674,7 +20166,7 @@
           <p:nvPr/>
         </p:nvPicPr>
         <p:blipFill>
-          <a:blip r:embed="rId2"/>
+          <a:blip r:embed="rId3"/>
           <a:srcRect b="3557"/>
           <a:stretch>
             <a:fillRect/>
@@ -20008,6 +21500,76 @@
 <file path=ppt/slides/slide12.xml><?xml version="1.0" encoding="utf-8"?>
 <p:sld xmlns:a="http://schemas.openxmlformats.org/drawingml/2006/main" xmlns:r="http://schemas.openxmlformats.org/officeDocument/2006/relationships" xmlns:p="http://schemas.openxmlformats.org/presentationml/2006/main">
   <p:cSld>
+    <p:bg>
+      <p:bgPr>
+        <a:solidFill>
+          <a:schemeClr val="bg1"/>
+        </a:solidFill>
+        <a:effectLst/>
+      </p:bgPr>
+    </p:bg>
+    <p:spTree>
+      <p:nvGrpSpPr>
+        <p:cNvPr id="1" name=""/>
+        <p:cNvGrpSpPr/>
+        <p:nvPr/>
+      </p:nvGrpSpPr>
+      <p:grpSpPr>
+        <a:xfrm>
+          <a:off x="0" y="0"/>
+          <a:ext cx="0" cy="0"/>
+          <a:chOff x="0" y="0"/>
+          <a:chExt cx="0" cy="0"/>
+        </a:xfrm>
+      </p:grpSpPr>
+      <p:pic>
+        <p:nvPicPr>
+          <p:cNvPr id="5" name="Espace réservé du contenu 4" descr="Une image contenant capture d’écran, cercle, texte, Caractère coloré&#10;&#10;Le contenu généré par l’IA peut être incorrect.">
+            <a:extLst>
+              <a:ext uri="{FF2B5EF4-FFF2-40B4-BE49-F238E27FC236}">
+                <a16:creationId xmlns:a16="http://schemas.microsoft.com/office/drawing/2014/main" id="{4F674AFD-9802-D1FF-39ED-B131479D12DE}"/>
+              </a:ext>
+            </a:extLst>
+          </p:cNvPr>
+          <p:cNvPicPr>
+            <a:picLocks noGrp="1" noChangeAspect="1"/>
+          </p:cNvPicPr>
+          <p:nvPr>
+            <p:ph idx="1"/>
+          </p:nvPr>
+        </p:nvPicPr>
+        <p:blipFill>
+          <a:blip r:embed="rId2"/>
+          <a:stretch>
+            <a:fillRect/>
+          </a:stretch>
+        </p:blipFill>
+        <p:spPr>
+          <a:xfrm>
+            <a:off x="482600" y="1292288"/>
+            <a:ext cx="8178799" cy="4273422"/>
+          </a:xfrm>
+          <a:prstGeom prst="rect">
+            <a:avLst/>
+          </a:prstGeom>
+        </p:spPr>
+      </p:pic>
+    </p:spTree>
+    <p:extLst>
+      <p:ext uri="{BB962C8B-B14F-4D97-AF65-F5344CB8AC3E}">
+        <p14:creationId xmlns:p14="http://schemas.microsoft.com/office/powerpoint/2010/main" val="1872503539"/>
+      </p:ext>
+    </p:extLst>
+  </p:cSld>
+  <p:clrMapOvr>
+    <a:masterClrMapping/>
+  </p:clrMapOvr>
+</p:sld>
+</file>
+
+<file path=ppt/slides/slide13.xml><?xml version="1.0" encoding="utf-8"?>
+<p:sld xmlns:a="http://schemas.openxmlformats.org/drawingml/2006/main" xmlns:r="http://schemas.openxmlformats.org/officeDocument/2006/relationships" xmlns:p="http://schemas.openxmlformats.org/presentationml/2006/main">
+  <p:cSld>
     <p:spTree>
       <p:nvGrpSpPr>
         <p:cNvPr id="1" name=""/>
@@ -20078,7 +21640,7 @@
 </p:sld>
 </file>
 
-<file path=ppt/slides/slide13.xml><?xml version="1.0" encoding="utf-8"?>
+<file path=ppt/slides/slide14.xml><?xml version="1.0" encoding="utf-8"?>
 <p:sld xmlns:a="http://schemas.openxmlformats.org/drawingml/2006/main" xmlns:r="http://schemas.openxmlformats.org/officeDocument/2006/relationships" xmlns:p="http://schemas.openxmlformats.org/presentationml/2006/main">
   <p:cSld>
     <p:bg>
@@ -20713,7 +22275,7 @@
 </p:sld>
 </file>
 
-<file path=ppt/slides/slide14.xml><?xml version="1.0" encoding="utf-8"?>
+<file path=ppt/slides/slide15.xml><?xml version="1.0" encoding="utf-8"?>
 <p:sld xmlns:a="http://schemas.openxmlformats.org/drawingml/2006/main" xmlns:r="http://schemas.openxmlformats.org/officeDocument/2006/relationships" xmlns:p="http://schemas.openxmlformats.org/presentationml/2006/main">
   <p:cSld>
     <p:bg>
@@ -21629,7 +23191,7 @@
         </p:xfrm>
         <a:graphic>
           <a:graphicData uri="http://schemas.openxmlformats.org/drawingml/2006/diagram">
-            <dgm:relIds xmlns:dgm="http://schemas.openxmlformats.org/drawingml/2006/diagram" xmlns:r="http://schemas.openxmlformats.org/officeDocument/2006/relationships" r:dm="rId2" r:lo="rId3" r:qs="rId4" r:cs="rId5"/>
+            <dgm:relIds xmlns:dgm="http://schemas.openxmlformats.org/drawingml/2006/diagram" xmlns:r="http://schemas.openxmlformats.org/officeDocument/2006/relationships" r:dm="rId3" r:lo="rId4" r:qs="rId5" r:cs="rId6"/>
           </a:graphicData>
         </a:graphic>
       </p:graphicFrame>
@@ -22967,7 +24529,7 @@
         </p:xfrm>
         <a:graphic>
           <a:graphicData uri="http://schemas.openxmlformats.org/drawingml/2006/diagram">
-            <dgm:relIds xmlns:dgm="http://schemas.openxmlformats.org/drawingml/2006/diagram" xmlns:r="http://schemas.openxmlformats.org/officeDocument/2006/relationships" r:dm="rId2" r:lo="rId3" r:qs="rId4" r:cs="rId5"/>
+            <dgm:relIds xmlns:dgm="http://schemas.openxmlformats.org/drawingml/2006/diagram" xmlns:r="http://schemas.openxmlformats.org/officeDocument/2006/relationships" r:dm="rId3" r:lo="rId4" r:qs="rId5" r:cs="rId6"/>
           </a:graphicData>
         </a:graphic>
       </p:graphicFrame>
@@ -23175,7 +24737,7 @@
           <p:nvPr/>
         </p:nvPicPr>
         <p:blipFill>
-          <a:blip r:embed="rId2"/>
+          <a:blip r:embed="rId3"/>
           <a:srcRect l="21942" r="27058" b="1"/>
           <a:stretch>
             <a:fillRect/>
@@ -23674,7 +25236,7 @@
           <p:nvPr/>
         </p:nvPicPr>
         <p:blipFill>
-          <a:blip r:embed="rId2"/>
+          <a:blip r:embed="rId3"/>
           <a:srcRect l="15889" r="34111"/>
           <a:stretch>
             <a:fillRect/>
@@ -24155,7 +25717,7 @@
         </p:xfrm>
         <a:graphic>
           <a:graphicData uri="http://schemas.openxmlformats.org/drawingml/2006/diagram">
-            <dgm:relIds xmlns:dgm="http://schemas.openxmlformats.org/drawingml/2006/diagram" xmlns:r="http://schemas.openxmlformats.org/officeDocument/2006/relationships" r:dm="rId2" r:lo="rId3" r:qs="rId4" r:cs="rId5"/>
+            <dgm:relIds xmlns:dgm="http://schemas.openxmlformats.org/drawingml/2006/diagram" xmlns:r="http://schemas.openxmlformats.org/officeDocument/2006/relationships" r:dm="rId3" r:lo="rId4" r:qs="rId5" r:cs="rId6"/>
           </a:graphicData>
         </a:graphic>
       </p:graphicFrame>
@@ -24485,4 +26047,319 @@
   </a:objectDefaults>
   <a:extraClrSchemeLst/>
 </a:theme>
+</file>
+
+<file path=ppt/theme/theme2.xml><?xml version="1.0" encoding="utf-8"?>
+<a:theme xmlns:a="http://schemas.openxmlformats.org/drawingml/2006/main" name="Thème Office">
+  <a:themeElements>
+    <a:clrScheme name="Office">
+      <a:dk1>
+        <a:sysClr val="windowText" lastClr="000000"/>
+      </a:dk1>
+      <a:lt1>
+        <a:sysClr val="window" lastClr="FFFFFF"/>
+      </a:lt1>
+      <a:dk2>
+        <a:srgbClr val="0E2841"/>
+      </a:dk2>
+      <a:lt2>
+        <a:srgbClr val="E8E8E8"/>
+      </a:lt2>
+      <a:accent1>
+        <a:srgbClr val="156082"/>
+      </a:accent1>
+      <a:accent2>
+        <a:srgbClr val="E97132"/>
+      </a:accent2>
+      <a:accent3>
+        <a:srgbClr val="196B24"/>
+      </a:accent3>
+      <a:accent4>
+        <a:srgbClr val="0F9ED5"/>
+      </a:accent4>
+      <a:accent5>
+        <a:srgbClr val="A02B93"/>
+      </a:accent5>
+      <a:accent6>
+        <a:srgbClr val="4EA72E"/>
+      </a:accent6>
+      <a:hlink>
+        <a:srgbClr val="467886"/>
+      </a:hlink>
+      <a:folHlink>
+        <a:srgbClr val="96607D"/>
+      </a:folHlink>
+    </a:clrScheme>
+    <a:fontScheme name="Office">
+      <a:majorFont>
+        <a:latin typeface="Aptos Display" panose="02110004020202020204"/>
+        <a:ea typeface=""/>
+        <a:cs typeface=""/>
+        <a:font script="Jpan" typeface="游ゴシック Light"/>
+        <a:font script="Hang" typeface="맑은 고딕"/>
+        <a:font script="Hans" typeface="等线 Light"/>
+        <a:font script="Hant" typeface="新細明體"/>
+        <a:font script="Arab" typeface="Times New Roman"/>
+        <a:font script="Hebr" typeface="Times New Roman"/>
+        <a:font script="Thai" typeface="Angsana New"/>
+        <a:font script="Ethi" typeface="Nyala"/>
+        <a:font script="Beng" typeface="Vrinda"/>
+        <a:font script="Gujr" typeface="Shruti"/>
+        <a:font script="Khmr" typeface="MoolBoran"/>
+        <a:font script="Knda" typeface="Tunga"/>
+        <a:font script="Guru" typeface="Raavi"/>
+        <a:font script="Cans" typeface="Euphemia"/>
+        <a:font script="Cher" typeface="Plantagenet Cherokee"/>
+        <a:font script="Yiii" typeface="Microsoft Yi Baiti"/>
+        <a:font script="Tibt" typeface="Microsoft Himalaya"/>
+        <a:font script="Thaa" typeface="MV Boli"/>
+        <a:font script="Deva" typeface="Mangal"/>
+        <a:font script="Telu" typeface="Gautami"/>
+        <a:font script="Taml" typeface="Latha"/>
+        <a:font script="Syrc" typeface="Estrangelo Edessa"/>
+        <a:font script="Orya" typeface="Kalinga"/>
+        <a:font script="Mlym" typeface="Kartika"/>
+        <a:font script="Laoo" typeface="DokChampa"/>
+        <a:font script="Sinh" typeface="Iskoola Pota"/>
+        <a:font script="Mong" typeface="Mongolian Baiti"/>
+        <a:font script="Viet" typeface="Times New Roman"/>
+        <a:font script="Uigh" typeface="Microsoft Uighur"/>
+        <a:font script="Geor" typeface="Sylfaen"/>
+        <a:font script="Armn" typeface="Arial"/>
+        <a:font script="Bugi" typeface="Leelawadee UI"/>
+        <a:font script="Bopo" typeface="Microsoft JhengHei"/>
+        <a:font script="Java" typeface="Javanese Text"/>
+        <a:font script="Lisu" typeface="Segoe UI"/>
+        <a:font script="Mymr" typeface="Myanmar Text"/>
+        <a:font script="Nkoo" typeface="Ebrima"/>
+        <a:font script="Olck" typeface="Nirmala UI"/>
+        <a:font script="Osma" typeface="Ebrima"/>
+        <a:font script="Phag" typeface="Phagspa"/>
+        <a:font script="Syrn" typeface="Estrangelo Edessa"/>
+        <a:font script="Syrj" typeface="Estrangelo Edessa"/>
+        <a:font script="Syre" typeface="Estrangelo Edessa"/>
+        <a:font script="Sora" typeface="Nirmala UI"/>
+        <a:font script="Tale" typeface="Microsoft Tai Le"/>
+        <a:font script="Talu" typeface="Microsoft New Tai Lue"/>
+        <a:font script="Tfng" typeface="Ebrima"/>
+      </a:majorFont>
+      <a:minorFont>
+        <a:latin typeface="Aptos" panose="02110004020202020204"/>
+        <a:ea typeface=""/>
+        <a:cs typeface=""/>
+        <a:font script="Jpan" typeface="游ゴシック"/>
+        <a:font script="Hang" typeface="맑은 고딕"/>
+        <a:font script="Hans" typeface="等线"/>
+        <a:font script="Hant" typeface="新細明體"/>
+        <a:font script="Arab" typeface="Arial"/>
+        <a:font script="Hebr" typeface="Arial"/>
+        <a:font script="Thai" typeface="Cordia New"/>
+        <a:font script="Ethi" typeface="Nyala"/>
+        <a:font script="Beng" typeface="Vrinda"/>
+        <a:font script="Gujr" typeface="Shruti"/>
+        <a:font script="Khmr" typeface="DaunPenh"/>
+        <a:font script="Knda" typeface="Tunga"/>
+        <a:font script="Guru" typeface="Raavi"/>
+        <a:font script="Cans" typeface="Euphemia"/>
+        <a:font script="Cher" typeface="Plantagenet Cherokee"/>
+        <a:font script="Yiii" typeface="Microsoft Yi Baiti"/>
+        <a:font script="Tibt" typeface="Microsoft Himalaya"/>
+        <a:font script="Thaa" typeface="MV Boli"/>
+        <a:font script="Deva" typeface="Mangal"/>
+        <a:font script="Telu" typeface="Gautami"/>
+        <a:font script="Taml" typeface="Latha"/>
+        <a:font script="Syrc" typeface="Estrangelo Edessa"/>
+        <a:font script="Orya" typeface="Kalinga"/>
+        <a:font script="Mlym" typeface="Kartika"/>
+        <a:font script="Laoo" typeface="DokChampa"/>
+        <a:font script="Sinh" typeface="Iskoola Pota"/>
+        <a:font script="Mong" typeface="Mongolian Baiti"/>
+        <a:font script="Viet" typeface="Arial"/>
+        <a:font script="Uigh" typeface="Microsoft Uighur"/>
+        <a:font script="Geor" typeface="Sylfaen"/>
+        <a:font script="Armn" typeface="Arial"/>
+        <a:font script="Bugi" typeface="Leelawadee UI"/>
+        <a:font script="Bopo" typeface="Microsoft JhengHei"/>
+        <a:font script="Java" typeface="Javanese Text"/>
+        <a:font script="Lisu" typeface="Segoe UI"/>
+        <a:font script="Mymr" typeface="Myanmar Text"/>
+        <a:font script="Nkoo" typeface="Ebrima"/>
+        <a:font script="Olck" typeface="Nirmala UI"/>
+        <a:font script="Osma" typeface="Ebrima"/>
+        <a:font script="Phag" typeface="Phagspa"/>
+        <a:font script="Syrn" typeface="Estrangelo Edessa"/>
+        <a:font script="Syrj" typeface="Estrangelo Edessa"/>
+        <a:font script="Syre" typeface="Estrangelo Edessa"/>
+        <a:font script="Sora" typeface="Nirmala UI"/>
+        <a:font script="Tale" typeface="Microsoft Tai Le"/>
+        <a:font script="Talu" typeface="Microsoft New Tai Lue"/>
+        <a:font script="Tfng" typeface="Ebrima"/>
+      </a:minorFont>
+    </a:fontScheme>
+    <a:fmtScheme name="Office">
+      <a:fillStyleLst>
+        <a:solidFill>
+          <a:schemeClr val="phClr"/>
+        </a:solidFill>
+        <a:gradFill rotWithShape="1">
+          <a:gsLst>
+            <a:gs pos="0">
+              <a:schemeClr val="phClr">
+                <a:lumMod val="110000"/>
+                <a:satMod val="105000"/>
+                <a:tint val="67000"/>
+              </a:schemeClr>
+            </a:gs>
+            <a:gs pos="50000">
+              <a:schemeClr val="phClr">
+                <a:lumMod val="105000"/>
+                <a:satMod val="103000"/>
+                <a:tint val="73000"/>
+              </a:schemeClr>
+            </a:gs>
+            <a:gs pos="100000">
+              <a:schemeClr val="phClr">
+                <a:lumMod val="105000"/>
+                <a:satMod val="109000"/>
+                <a:tint val="81000"/>
+              </a:schemeClr>
+            </a:gs>
+          </a:gsLst>
+          <a:lin ang="5400000" scaled="0"/>
+        </a:gradFill>
+        <a:gradFill rotWithShape="1">
+          <a:gsLst>
+            <a:gs pos="0">
+              <a:schemeClr val="phClr">
+                <a:satMod val="103000"/>
+                <a:lumMod val="102000"/>
+                <a:tint val="94000"/>
+              </a:schemeClr>
+            </a:gs>
+            <a:gs pos="50000">
+              <a:schemeClr val="phClr">
+                <a:satMod val="110000"/>
+                <a:lumMod val="100000"/>
+                <a:shade val="100000"/>
+              </a:schemeClr>
+            </a:gs>
+            <a:gs pos="100000">
+              <a:schemeClr val="phClr">
+                <a:lumMod val="99000"/>
+                <a:satMod val="120000"/>
+                <a:shade val="78000"/>
+              </a:schemeClr>
+            </a:gs>
+          </a:gsLst>
+          <a:lin ang="5400000" scaled="0"/>
+        </a:gradFill>
+      </a:fillStyleLst>
+      <a:lnStyleLst>
+        <a:ln w="12700" cap="flat" cmpd="sng" algn="ctr">
+          <a:solidFill>
+            <a:schemeClr val="phClr"/>
+          </a:solidFill>
+          <a:prstDash val="solid"/>
+          <a:miter lim="800000"/>
+        </a:ln>
+        <a:ln w="19050" cap="flat" cmpd="sng" algn="ctr">
+          <a:solidFill>
+            <a:schemeClr val="phClr"/>
+          </a:solidFill>
+          <a:prstDash val="solid"/>
+          <a:miter lim="800000"/>
+        </a:ln>
+        <a:ln w="25400" cap="flat" cmpd="sng" algn="ctr">
+          <a:solidFill>
+            <a:schemeClr val="phClr"/>
+          </a:solidFill>
+          <a:prstDash val="solid"/>
+          <a:miter lim="800000"/>
+        </a:ln>
+      </a:lnStyleLst>
+      <a:effectStyleLst>
+        <a:effectStyle>
+          <a:effectLst/>
+        </a:effectStyle>
+        <a:effectStyle>
+          <a:effectLst/>
+        </a:effectStyle>
+        <a:effectStyle>
+          <a:effectLst>
+            <a:outerShdw blurRad="57150" dist="19050" dir="5400000" algn="ctr" rotWithShape="0">
+              <a:srgbClr val="000000">
+                <a:alpha val="63000"/>
+              </a:srgbClr>
+            </a:outerShdw>
+          </a:effectLst>
+        </a:effectStyle>
+      </a:effectStyleLst>
+      <a:bgFillStyleLst>
+        <a:solidFill>
+          <a:schemeClr val="phClr"/>
+        </a:solidFill>
+        <a:solidFill>
+          <a:schemeClr val="phClr">
+            <a:tint val="95000"/>
+            <a:satMod val="170000"/>
+          </a:schemeClr>
+        </a:solidFill>
+        <a:gradFill rotWithShape="1">
+          <a:gsLst>
+            <a:gs pos="0">
+              <a:schemeClr val="phClr">
+                <a:tint val="93000"/>
+                <a:satMod val="150000"/>
+                <a:shade val="98000"/>
+                <a:lumMod val="102000"/>
+              </a:schemeClr>
+            </a:gs>
+            <a:gs pos="50000">
+              <a:schemeClr val="phClr">
+                <a:tint val="98000"/>
+                <a:satMod val="130000"/>
+                <a:shade val="90000"/>
+                <a:lumMod val="103000"/>
+              </a:schemeClr>
+            </a:gs>
+            <a:gs pos="100000">
+              <a:schemeClr val="phClr">
+                <a:shade val="63000"/>
+                <a:satMod val="120000"/>
+              </a:schemeClr>
+            </a:gs>
+          </a:gsLst>
+          <a:lin ang="5400000" scaled="0"/>
+        </a:gradFill>
+      </a:bgFillStyleLst>
+    </a:fmtScheme>
+  </a:themeElements>
+  <a:objectDefaults>
+    <a:lnDef>
+      <a:spPr/>
+      <a:bodyPr/>
+      <a:lstStyle/>
+      <a:style>
+        <a:lnRef idx="2">
+          <a:schemeClr val="accent1"/>
+        </a:lnRef>
+        <a:fillRef idx="0">
+          <a:schemeClr val="accent1"/>
+        </a:fillRef>
+        <a:effectRef idx="1">
+          <a:schemeClr val="accent1"/>
+        </a:effectRef>
+        <a:fontRef idx="minor">
+          <a:schemeClr val="tx1"/>
+        </a:fontRef>
+      </a:style>
+    </a:lnDef>
+  </a:objectDefaults>
+  <a:extraClrSchemeLst/>
+  <a:extLst>
+    <a:ext uri="{05A4C25C-085E-4340-85A3-A5531E510DB2}">
+      <thm15:themeFamily xmlns:thm15="http://schemas.microsoft.com/office/thememl/2012/main" name="Office Theme" id="{2E142A2C-CD16-42D6-873A-C26D2A0506FA}" vid="{1BDDFF52-6CD6-40A5-AB3C-68EB2F1E4D0A}"/>
+    </a:ext>
+  </a:extLst>
+</a:theme>
 </file>